--- a/Python_Course_1.pptx
+++ b/Python_Course_1.pptx
@@ -5,7 +5,7 @@
     <p:sldMasterId id="2147483648" r:id="rId1"/>
   </p:sldMasterIdLst>
   <p:notesMasterIdLst>
-    <p:notesMasterId r:id="rId26"/>
+    <p:notesMasterId r:id="rId27"/>
   </p:notesMasterIdLst>
   <p:sldIdLst>
     <p:sldId id="273" r:id="rId2"/>
@@ -26,12 +26,13 @@
     <p:sldId id="280" r:id="rId17"/>
     <p:sldId id="282" r:id="rId18"/>
     <p:sldId id="283" r:id="rId19"/>
-    <p:sldId id="285" r:id="rId20"/>
-    <p:sldId id="288" r:id="rId21"/>
-    <p:sldId id="289" r:id="rId22"/>
-    <p:sldId id="293" r:id="rId23"/>
-    <p:sldId id="294" r:id="rId24"/>
-    <p:sldId id="291" r:id="rId25"/>
+    <p:sldId id="297" r:id="rId20"/>
+    <p:sldId id="285" r:id="rId21"/>
+    <p:sldId id="288" r:id="rId22"/>
+    <p:sldId id="289" r:id="rId23"/>
+    <p:sldId id="293" r:id="rId24"/>
+    <p:sldId id="294" r:id="rId25"/>
+    <p:sldId id="291" r:id="rId26"/>
   </p:sldIdLst>
   <p:sldSz cx="13004800" cy="7302500"/>
   <p:notesSz cx="6858000" cy="9144000"/>
@@ -5817,7 +5818,7 @@
         <p:spPr>
           <a:xfrm>
             <a:off x="635000" y="1473200"/>
-            <a:ext cx="11734800" cy="937885"/>
+            <a:ext cx="11734800" cy="1980542"/>
           </a:xfrm>
           <a:prstGeom prst="rect">
             <a:avLst/>
@@ -5870,6 +5871,27 @@
               </a:rPr>
               <a:t>Code Time!</a:t>
             </a:r>
+          </a:p>
+          <a:p>
+            <a:pPr lvl="0">
+              <a:defRPr sz="1800" b="0" cap="none" spc="0">
+                <a:solidFill>
+                  <a:srgbClr val="000000"/>
+                </a:solidFill>
+                <a:uFillTx/>
+              </a:defRPr>
+            </a:pPr>
+            <a:endParaRPr lang="en-US" dirty="0"/>
+          </a:p>
+          <a:p>
+            <a:pPr lvl="0">
+              <a:defRPr sz="1800" b="0" cap="none" spc="0">
+                <a:solidFill>
+                  <a:srgbClr val="000000"/>
+                </a:solidFill>
+                <a:uFillTx/>
+              </a:defRPr>
+            </a:pPr>
             <a:endParaRPr sz="9000" b="1" cap="all" spc="-180" dirty="0">
               <a:solidFill>
                 <a:srgbClr val="FFFFFF"/>
@@ -6138,7 +6160,7 @@
                   <a:solidFill/>
                 </a:uFill>
               </a:rPr>
-              <a:t>Mini assignment #1</a:t>
+              <a:t>Code time</a:t>
             </a:r>
             <a:endParaRPr sz="2800" b="1" cap="all" spc="-56" dirty="0">
               <a:uFill>
@@ -6157,7 +6179,7 @@
         <p:spPr>
           <a:xfrm>
             <a:off x="526473" y="1339658"/>
-            <a:ext cx="10788072" cy="6411499"/>
+            <a:ext cx="10788072" cy="5733877"/>
           </a:xfrm>
           <a:prstGeom prst="rect">
             <a:avLst/>
@@ -6191,7 +6213,7 @@
                   <a:solidFill/>
                 </a:uFill>
               </a:rPr>
-              <a:t>Write a function that takes as input two time strings in military format: “23:45:34”, and outputs the number of seconds between them. Assume that both inputs are properly formatted time inputs (i.e. no inputs like “45:89:108”). The output should be an integer.</a:t>
+              <a:t>Best if you type all the code yourself, but just so you have copies:</a:t>
             </a:r>
           </a:p>
           <a:p>
@@ -6211,112 +6233,30 @@
                 <a:uFillTx/>
               </a:defRPr>
             </a:pPr>
-            <a:endParaRPr lang="en-US" sz="2500" dirty="0">
+            <a:r>
+              <a:rPr lang="en-US" sz="2500" dirty="0">
+                <a:uFill>
+                  <a:solidFill/>
+                </a:uFill>
+                <a:cs typeface="Courier New" panose="02070309020205020404" pitchFamily="49" charset="0"/>
+                <a:hlinkClick r:id="rId2"/>
+              </a:rPr>
+              <a:t>https://</a:t>
+            </a:r>
+            <a:r>
+              <a:rPr lang="en-US" sz="2500" dirty="0" smtClean="0">
+                <a:uFill>
+                  <a:solidFill/>
+                </a:uFill>
+                <a:cs typeface="Courier New" panose="02070309020205020404" pitchFamily="49" charset="0"/>
+                <a:hlinkClick r:id="rId2"/>
+              </a:rPr>
+              <a:t>github.com/sergeyf/Python_intro_class</a:t>
+            </a:r>
+            <a:endParaRPr lang="en-US" sz="2500" dirty="0" smtClean="0">
               <a:uFill>
                 <a:solidFill/>
               </a:uFill>
-            </a:endParaRPr>
-          </a:p>
-          <a:p>
-            <a:pPr lvl="1" indent="0" defTabSz="647700">
-              <a:lnSpc>
-                <a:spcPct val="110000"/>
-              </a:lnSpc>
-              <a:spcBef>
-                <a:spcPts val="400"/>
-              </a:spcBef>
-              <a:buClrTx/>
-              <a:buSzPct val="85000"/>
-              <a:defRPr sz="1800">
-                <a:solidFill>
-                  <a:srgbClr val="000000"/>
-                </a:solidFill>
-                <a:uFillTx/>
-              </a:defRPr>
-            </a:pPr>
-            <a:r>
-              <a:rPr lang="en-US" sz="2500" dirty="0" err="1" smtClean="0">
-                <a:latin typeface="Courier New" panose="02070309020205020404" pitchFamily="49" charset="0"/>
-                <a:cs typeface="Courier New" panose="02070309020205020404" pitchFamily="49" charset="0"/>
-              </a:rPr>
-              <a:t>def</a:t>
-            </a:r>
-            <a:r>
-              <a:rPr lang="en-US" sz="2500" dirty="0" smtClean="0">
-                <a:latin typeface="Courier New" panose="02070309020205020404" pitchFamily="49" charset="0"/>
-                <a:cs typeface="Courier New" panose="02070309020205020404" pitchFamily="49" charset="0"/>
-              </a:rPr>
-              <a:t> </a:t>
-            </a:r>
-            <a:r>
-              <a:rPr lang="en-US" sz="2500" dirty="0" err="1" smtClean="0">
-                <a:latin typeface="Courier New" panose="02070309020205020404" pitchFamily="49" charset="0"/>
-                <a:cs typeface="Courier New" panose="02070309020205020404" pitchFamily="49" charset="0"/>
-              </a:rPr>
-              <a:t>seconds_difference</a:t>
-            </a:r>
-            <a:r>
-              <a:rPr lang="en-US" sz="2500" dirty="0" smtClean="0">
-                <a:latin typeface="Courier New" panose="02070309020205020404" pitchFamily="49" charset="0"/>
-                <a:cs typeface="Courier New" panose="02070309020205020404" pitchFamily="49" charset="0"/>
-              </a:rPr>
-              <a:t>(s1,s2):</a:t>
-            </a:r>
-          </a:p>
-          <a:p>
-            <a:pPr lvl="1" indent="0" defTabSz="647700">
-              <a:lnSpc>
-                <a:spcPct val="110000"/>
-              </a:lnSpc>
-              <a:spcBef>
-                <a:spcPts val="400"/>
-              </a:spcBef>
-              <a:buClrTx/>
-              <a:buSzPct val="85000"/>
-              <a:defRPr sz="1800">
-                <a:solidFill>
-                  <a:srgbClr val="000000"/>
-                </a:solidFill>
-                <a:uFillTx/>
-              </a:defRPr>
-            </a:pPr>
-            <a:r>
-              <a:rPr lang="en-US" sz="2500" dirty="0">
-                <a:latin typeface="Courier New" panose="02070309020205020404" pitchFamily="49" charset="0"/>
-                <a:cs typeface="Courier New" panose="02070309020205020404" pitchFamily="49" charset="0"/>
-              </a:rPr>
-              <a:t>	</a:t>
-            </a:r>
-            <a:r>
-              <a:rPr lang="en-US" sz="2500" dirty="0" smtClean="0">
-                <a:latin typeface="Courier New" panose="02070309020205020404" pitchFamily="49" charset="0"/>
-                <a:cs typeface="Courier New" panose="02070309020205020404" pitchFamily="49" charset="0"/>
-              </a:rPr>
-              <a:t># put your code here</a:t>
-            </a:r>
-          </a:p>
-          <a:p>
-            <a:pPr lvl="1" indent="0" defTabSz="647700">
-              <a:lnSpc>
-                <a:spcPct val="110000"/>
-              </a:lnSpc>
-              <a:spcBef>
-                <a:spcPts val="400"/>
-              </a:spcBef>
-              <a:buClrTx/>
-              <a:buSzPct val="85000"/>
-              <a:defRPr sz="1800">
-                <a:solidFill>
-                  <a:srgbClr val="000000"/>
-                </a:solidFill>
-                <a:uFillTx/>
-              </a:defRPr>
-            </a:pPr>
-            <a:endParaRPr lang="en-US" sz="1800" dirty="0">
-              <a:uFill>
-                <a:solidFill/>
-              </a:uFill>
-              <a:latin typeface="Courier New" panose="02070309020205020404" pitchFamily="49" charset="0"/>
               <a:cs typeface="Courier New" panose="02070309020205020404" pitchFamily="49" charset="0"/>
             </a:endParaRPr>
           </a:p>
@@ -6337,188 +6277,6 @@
                 <a:uFillTx/>
               </a:defRPr>
             </a:pPr>
-            <a:r>
-              <a:rPr lang="en-US" sz="2500" dirty="0" smtClean="0">
-                <a:uFill>
-                  <a:solidFill/>
-                </a:uFill>
-              </a:rPr>
-              <a:t>Example usage: </a:t>
-            </a:r>
-          </a:p>
-          <a:p>
-            <a:pPr lvl="1" indent="0" defTabSz="647700">
-              <a:lnSpc>
-                <a:spcPct val="110000"/>
-              </a:lnSpc>
-              <a:spcBef>
-                <a:spcPts val="400"/>
-              </a:spcBef>
-              <a:buClrTx/>
-              <a:buSzPct val="85000"/>
-              <a:defRPr sz="1800">
-                <a:solidFill>
-                  <a:srgbClr val="000000"/>
-                </a:solidFill>
-                <a:uFillTx/>
-              </a:defRPr>
-            </a:pPr>
-            <a:r>
-              <a:rPr lang="en-US" sz="2500" dirty="0" smtClean="0">
-                <a:uFill>
-                  <a:solidFill/>
-                </a:uFill>
-                <a:latin typeface="Courier New" panose="02070309020205020404" pitchFamily="49" charset="0"/>
-                <a:cs typeface="Courier New" panose="02070309020205020404" pitchFamily="49" charset="0"/>
-              </a:rPr>
-              <a:t>print</a:t>
-            </a:r>
-            <a:r>
-              <a:rPr lang="en-US" sz="2500" dirty="0">
-                <a:uFill>
-                  <a:solidFill/>
-                </a:uFill>
-                <a:latin typeface="Courier New" panose="02070309020205020404" pitchFamily="49" charset="0"/>
-                <a:cs typeface="Courier New" panose="02070309020205020404" pitchFamily="49" charset="0"/>
-              </a:rPr>
-              <a:t>( </a:t>
-            </a:r>
-            <a:r>
-              <a:rPr lang="en-US" sz="2500" dirty="0" err="1">
-                <a:uFill>
-                  <a:solidFill/>
-                </a:uFill>
-                <a:latin typeface="Courier New" panose="02070309020205020404" pitchFamily="49" charset="0"/>
-                <a:cs typeface="Courier New" panose="02070309020205020404" pitchFamily="49" charset="0"/>
-              </a:rPr>
-              <a:t>seconds_difference</a:t>
-            </a:r>
-            <a:r>
-              <a:rPr lang="en-US" sz="2500" dirty="0">
-                <a:uFill>
-                  <a:solidFill/>
-                </a:uFill>
-                <a:latin typeface="Courier New" panose="02070309020205020404" pitchFamily="49" charset="0"/>
-                <a:cs typeface="Courier New" panose="02070309020205020404" pitchFamily="49" charset="0"/>
-              </a:rPr>
-              <a:t>("23:00:1","24:00:00") )</a:t>
-            </a:r>
-          </a:p>
-          <a:p>
-            <a:pPr lvl="1" indent="0" defTabSz="647700">
-              <a:lnSpc>
-                <a:spcPct val="110000"/>
-              </a:lnSpc>
-              <a:spcBef>
-                <a:spcPts val="400"/>
-              </a:spcBef>
-              <a:buClrTx/>
-              <a:buSzPct val="85000"/>
-              <a:defRPr sz="1800">
-                <a:solidFill>
-                  <a:srgbClr val="000000"/>
-                </a:solidFill>
-                <a:uFillTx/>
-              </a:defRPr>
-            </a:pPr>
-            <a:r>
-              <a:rPr lang="en-US" sz="2500" dirty="0" smtClean="0">
-                <a:uFill>
-                  <a:solidFill/>
-                </a:uFill>
-                <a:latin typeface="Courier New" panose="02070309020205020404" pitchFamily="49" charset="0"/>
-                <a:cs typeface="Courier New" panose="02070309020205020404" pitchFamily="49" charset="0"/>
-              </a:rPr>
-              <a:t>&gt;&gt; 3599</a:t>
-            </a:r>
-          </a:p>
-          <a:p>
-            <a:pPr lvl="1" indent="0" defTabSz="647700">
-              <a:lnSpc>
-                <a:spcPct val="110000"/>
-              </a:lnSpc>
-              <a:spcBef>
-                <a:spcPts val="400"/>
-              </a:spcBef>
-              <a:buClrTx/>
-              <a:buSzPct val="85000"/>
-              <a:defRPr sz="1800">
-                <a:solidFill>
-                  <a:srgbClr val="000000"/>
-                </a:solidFill>
-                <a:uFillTx/>
-              </a:defRPr>
-            </a:pPr>
-            <a:endParaRPr lang="en-US" sz="2500" dirty="0">
-              <a:uFill>
-                <a:solidFill/>
-              </a:uFill>
-              <a:latin typeface="Courier New" panose="02070309020205020404" pitchFamily="49" charset="0"/>
-              <a:cs typeface="Courier New" panose="02070309020205020404" pitchFamily="49" charset="0"/>
-            </a:endParaRPr>
-          </a:p>
-          <a:p>
-            <a:pPr lvl="1" indent="0" defTabSz="647700">
-              <a:lnSpc>
-                <a:spcPct val="110000"/>
-              </a:lnSpc>
-              <a:spcBef>
-                <a:spcPts val="400"/>
-              </a:spcBef>
-              <a:buClrTx/>
-              <a:buSzPct val="85000"/>
-              <a:defRPr sz="1800">
-                <a:solidFill>
-                  <a:srgbClr val="000000"/>
-                </a:solidFill>
-                <a:uFillTx/>
-              </a:defRPr>
-            </a:pPr>
-            <a:r>
-              <a:rPr lang="en-US" sz="2500" dirty="0" smtClean="0">
-                <a:uFill>
-                  <a:solidFill/>
-                </a:uFill>
-                <a:cs typeface="Courier New" panose="02070309020205020404" pitchFamily="49" charset="0"/>
-              </a:rPr>
-              <a:t>Functions you will need to use: </a:t>
-            </a:r>
-            <a:r>
-              <a:rPr lang="en-US" sz="2500" dirty="0" err="1" smtClean="0">
-                <a:uFill>
-                  <a:solidFill/>
-                </a:uFill>
-                <a:cs typeface="Courier New" panose="02070309020205020404" pitchFamily="49" charset="0"/>
-              </a:rPr>
-              <a:t>str.split</a:t>
-            </a:r>
-            <a:r>
-              <a:rPr lang="en-US" sz="2500" dirty="0" smtClean="0">
-                <a:uFill>
-                  <a:solidFill/>
-                </a:uFill>
-                <a:cs typeface="Courier New" panose="02070309020205020404" pitchFamily="49" charset="0"/>
-              </a:rPr>
-              <a:t>(), </a:t>
-            </a:r>
-            <a:r>
-              <a:rPr lang="en-US" sz="2500" dirty="0" err="1" smtClean="0">
-                <a:uFill>
-                  <a:solidFill/>
-                </a:uFill>
-                <a:cs typeface="Courier New" panose="02070309020205020404" pitchFamily="49" charset="0"/>
-              </a:rPr>
-              <a:t>int</a:t>
-            </a:r>
-            <a:r>
-              <a:rPr lang="en-US" sz="2500" dirty="0" smtClean="0">
-                <a:uFill>
-                  <a:solidFill/>
-                </a:uFill>
-                <a:cs typeface="Courier New" panose="02070309020205020404" pitchFamily="49" charset="0"/>
-              </a:rPr>
-              <a:t>(), abs(), and basic arithmetic.</a:t>
-            </a:r>
             <a:endParaRPr lang="en-US" sz="2500" dirty="0">
               <a:uFill>
                 <a:solidFill/>
@@ -6543,6 +6301,184 @@
                 <a:uFillTx/>
               </a:defRPr>
             </a:pPr>
+            <a:r>
+              <a:rPr lang="en-US" sz="2500" dirty="0" smtClean="0">
+                <a:uFill>
+                  <a:solidFill/>
+                </a:uFill>
+                <a:cs typeface="Courier New" panose="02070309020205020404" pitchFamily="49" charset="0"/>
+              </a:rPr>
+              <a:t>If you installed Python 3.4 as a virtual environment at the beginning of class, then type this into the Anaconda prompt (on Windows, leave out the word “source”):</a:t>
+            </a:r>
+          </a:p>
+          <a:p>
+            <a:pPr lvl="1" indent="0" defTabSz="647700">
+              <a:lnSpc>
+                <a:spcPct val="110000"/>
+              </a:lnSpc>
+              <a:spcBef>
+                <a:spcPts val="400"/>
+              </a:spcBef>
+              <a:buClrTx/>
+              <a:buSzPct val="85000"/>
+              <a:defRPr sz="1800">
+                <a:solidFill>
+                  <a:srgbClr val="000000"/>
+                </a:solidFill>
+                <a:uFillTx/>
+              </a:defRPr>
+            </a:pPr>
+            <a:endParaRPr lang="en-US" sz="2500" dirty="0">
+              <a:uFill>
+                <a:solidFill/>
+              </a:uFill>
+              <a:cs typeface="Courier New" panose="02070309020205020404" pitchFamily="49" charset="0"/>
+            </a:endParaRPr>
+          </a:p>
+          <a:p>
+            <a:pPr lvl="1" indent="0" defTabSz="647700">
+              <a:lnSpc>
+                <a:spcPct val="110000"/>
+              </a:lnSpc>
+              <a:spcBef>
+                <a:spcPts val="400"/>
+              </a:spcBef>
+              <a:buClrTx/>
+              <a:buSzPct val="85000"/>
+              <a:defRPr sz="1800">
+                <a:solidFill>
+                  <a:srgbClr val="000000"/>
+                </a:solidFill>
+                <a:uFillTx/>
+              </a:defRPr>
+            </a:pPr>
+            <a:r>
+              <a:rPr lang="en-US" sz="2800" dirty="0">
+                <a:uFill>
+                  <a:solidFill/>
+                </a:uFill>
+                <a:latin typeface="Courier New" panose="02070309020205020404" pitchFamily="49" charset="0"/>
+                <a:cs typeface="Courier New" panose="02070309020205020404" pitchFamily="49" charset="0"/>
+              </a:rPr>
+              <a:t>source activate py34</a:t>
+            </a:r>
+          </a:p>
+          <a:p>
+            <a:pPr lvl="1" indent="0" defTabSz="647700">
+              <a:lnSpc>
+                <a:spcPct val="110000"/>
+              </a:lnSpc>
+              <a:spcBef>
+                <a:spcPts val="400"/>
+              </a:spcBef>
+              <a:buClrTx/>
+              <a:buSzPct val="85000"/>
+              <a:defRPr sz="1800">
+                <a:solidFill>
+                  <a:srgbClr val="000000"/>
+                </a:solidFill>
+                <a:uFillTx/>
+              </a:defRPr>
+            </a:pPr>
+            <a:endParaRPr lang="en-US" sz="2500" dirty="0" smtClean="0">
+              <a:uFill>
+                <a:solidFill/>
+              </a:uFill>
+              <a:cs typeface="Courier New" panose="02070309020205020404" pitchFamily="49" charset="0"/>
+            </a:endParaRPr>
+          </a:p>
+          <a:p>
+            <a:pPr lvl="1" indent="0" defTabSz="647700">
+              <a:lnSpc>
+                <a:spcPct val="110000"/>
+              </a:lnSpc>
+              <a:spcBef>
+                <a:spcPts val="400"/>
+              </a:spcBef>
+              <a:buClrTx/>
+              <a:buSzPct val="85000"/>
+              <a:defRPr sz="1800">
+                <a:solidFill>
+                  <a:srgbClr val="000000"/>
+                </a:solidFill>
+                <a:uFillTx/>
+              </a:defRPr>
+            </a:pPr>
+            <a:r>
+              <a:rPr lang="en-US" sz="2800" dirty="0" smtClean="0">
+                <a:uFill>
+                  <a:solidFill/>
+                </a:uFill>
+                <a:cs typeface="Courier New" panose="02070309020205020404" pitchFamily="49" charset="0"/>
+              </a:rPr>
+              <a:t>Now boot up </a:t>
+            </a:r>
+            <a:r>
+              <a:rPr lang="en-US" sz="2800" dirty="0" err="1" smtClean="0">
+                <a:uFill>
+                  <a:solidFill/>
+                </a:uFill>
+                <a:cs typeface="Courier New" panose="02070309020205020404" pitchFamily="49" charset="0"/>
+              </a:rPr>
+              <a:t>Spyder</a:t>
+            </a:r>
+            <a:r>
+              <a:rPr lang="en-US" sz="2800" dirty="0" smtClean="0">
+                <a:uFill>
+                  <a:solidFill/>
+                </a:uFill>
+                <a:cs typeface="Courier New" panose="02070309020205020404" pitchFamily="49" charset="0"/>
+              </a:rPr>
+              <a:t>!</a:t>
+            </a:r>
+            <a:endParaRPr lang="en-US" sz="2800" dirty="0">
+              <a:uFill>
+                <a:solidFill/>
+              </a:uFill>
+              <a:cs typeface="Courier New" panose="02070309020205020404" pitchFamily="49" charset="0"/>
+            </a:endParaRPr>
+          </a:p>
+          <a:p>
+            <a:pPr lvl="1" indent="0" defTabSz="647700">
+              <a:lnSpc>
+                <a:spcPct val="110000"/>
+              </a:lnSpc>
+              <a:spcBef>
+                <a:spcPts val="400"/>
+              </a:spcBef>
+              <a:buClrTx/>
+              <a:buSzPct val="85000"/>
+              <a:defRPr sz="1800">
+                <a:solidFill>
+                  <a:srgbClr val="000000"/>
+                </a:solidFill>
+                <a:uFillTx/>
+              </a:defRPr>
+            </a:pPr>
+            <a:endParaRPr lang="en-US" sz="2500" dirty="0">
+              <a:uFill>
+                <a:solidFill/>
+              </a:uFill>
+              <a:cs typeface="Courier New" panose="02070309020205020404" pitchFamily="49" charset="0"/>
+            </a:endParaRPr>
+          </a:p>
+          <a:p>
+            <a:pPr lvl="1" indent="0" defTabSz="647700">
+              <a:lnSpc>
+                <a:spcPct val="110000"/>
+              </a:lnSpc>
+              <a:spcBef>
+                <a:spcPts val="400"/>
+              </a:spcBef>
+              <a:buClrTx/>
+              <a:buSzPct val="85000"/>
+              <a:defRPr sz="1800">
+                <a:solidFill>
+                  <a:srgbClr val="000000"/>
+                </a:solidFill>
+                <a:uFillTx/>
+              </a:defRPr>
+            </a:pPr>
             <a:endParaRPr lang="en-US" sz="2500" dirty="0">
               <a:uFill>
                 <a:solidFill/>
@@ -6554,7 +6490,7 @@
     </p:spTree>
     <p:extLst>
       <p:ext uri="{BB962C8B-B14F-4D97-AF65-F5344CB8AC3E}">
-        <p14:creationId xmlns:p14="http://schemas.microsoft.com/office/powerpoint/2010/main" val="8516817"/>
+        <p14:creationId xmlns:p14="http://schemas.microsoft.com/office/powerpoint/2010/main" val="3729156993"/>
       </p:ext>
     </p:extLst>
   </p:cSld>
@@ -7098,7 +7034,7 @@
                   <a:solidFill/>
                 </a:uFill>
               </a:rPr>
-              <a:t>Mini assignment #2</a:t>
+              <a:t>Mini assignment #1</a:t>
             </a:r>
             <a:endParaRPr sz="2800" b="1" cap="all" spc="-56" dirty="0">
               <a:uFill>
@@ -7117,7 +7053,7 @@
         <p:spPr>
           <a:xfrm>
             <a:off x="526473" y="1339658"/>
-            <a:ext cx="10788072" cy="5565113"/>
+            <a:ext cx="10788072" cy="6411499"/>
           </a:xfrm>
           <a:prstGeom prst="rect">
             <a:avLst/>
@@ -7146,52 +7082,12 @@
               </a:defRPr>
             </a:pPr>
             <a:r>
-              <a:rPr lang="en-US" sz="2500" dirty="0">
-                <a:uFill>
-                  <a:solidFill/>
-                </a:uFill>
-              </a:rPr>
-              <a:t>Define a function </a:t>
-            </a:r>
-            <a:r>
               <a:rPr lang="en-US" sz="2500" dirty="0" smtClean="0">
                 <a:uFill>
                   <a:solidFill/>
                 </a:uFill>
               </a:rPr>
-              <a:t>that </a:t>
-            </a:r>
-            <a:r>
-              <a:rPr lang="en-US" sz="2500" dirty="0">
-                <a:uFill>
-                  <a:solidFill/>
-                </a:uFill>
-              </a:rPr>
-              <a:t>takes three </a:t>
-            </a:r>
-            <a:r>
-              <a:rPr lang="en-US" sz="2500" dirty="0" smtClean="0">
-                <a:uFill>
-                  <a:solidFill/>
-                </a:uFill>
-              </a:rPr>
-              <a:t>integers or floats as </a:t>
-            </a:r>
-            <a:r>
-              <a:rPr lang="en-US" sz="2500" dirty="0">
-                <a:uFill>
-                  <a:solidFill/>
-                </a:uFill>
-              </a:rPr>
-              <a:t>arguments and returns the largest of them</a:t>
-            </a:r>
-            <a:r>
-              <a:rPr lang="en-US" sz="2500" dirty="0" smtClean="0">
-                <a:uFill>
-                  <a:solidFill/>
-                </a:uFill>
-              </a:rPr>
-              <a:t>.</a:t>
+              <a:t>Write a function that takes as input two time strings in military format: “23:45:34”, and outputs the number of seconds between them. Assume that both inputs are properly formatted time inputs (i.e. no inputs like “45:89:108”). The output should be an integer.</a:t>
             </a:r>
           </a:p>
           <a:p>
@@ -7253,14 +7149,14 @@
                 <a:latin typeface="Courier New" panose="02070309020205020404" pitchFamily="49" charset="0"/>
                 <a:cs typeface="Courier New" panose="02070309020205020404" pitchFamily="49" charset="0"/>
               </a:rPr>
-              <a:t>max_of_three</a:t>
+              <a:t>seconds_difference</a:t>
             </a:r>
             <a:r>
               <a:rPr lang="en-US" sz="2500" dirty="0" smtClean="0">
                 <a:latin typeface="Courier New" panose="02070309020205020404" pitchFamily="49" charset="0"/>
                 <a:cs typeface="Courier New" panose="02070309020205020404" pitchFamily="49" charset="0"/>
               </a:rPr>
-              <a:t>(x1,x2,x3):</a:t>
+              <a:t>(s1,s2):</a:t>
             </a:r>
           </a:p>
           <a:p>
@@ -7371,32 +7267,84 @@
                 <a:latin typeface="Courier New" panose="02070309020205020404" pitchFamily="49" charset="0"/>
                 <a:cs typeface="Courier New" panose="02070309020205020404" pitchFamily="49" charset="0"/>
               </a:rPr>
-              <a:t>print( </a:t>
-            </a:r>
-            <a:r>
-              <a:rPr lang="en-US" sz="2500" dirty="0" err="1" smtClean="0">
+              <a:t>print</a:t>
+            </a:r>
+            <a:r>
+              <a:rPr lang="en-US" sz="2500" dirty="0">
+                <a:uFill>
+                  <a:solidFill/>
+                </a:uFill>
                 <a:latin typeface="Courier New" panose="02070309020205020404" pitchFamily="49" charset="0"/>
                 <a:cs typeface="Courier New" panose="02070309020205020404" pitchFamily="49" charset="0"/>
               </a:rPr>
-              <a:t>max_of_three</a:t>
-            </a:r>
-            <a:r>
-              <a:rPr lang="en-US" sz="2500" dirty="0" smtClean="0">
+              <a:t>( </a:t>
+            </a:r>
+            <a:r>
+              <a:rPr lang="en-US" sz="2500" dirty="0" err="1">
+                <a:uFill>
+                  <a:solidFill/>
+                </a:uFill>
                 <a:latin typeface="Courier New" panose="02070309020205020404" pitchFamily="49" charset="0"/>
                 <a:cs typeface="Courier New" panose="02070309020205020404" pitchFamily="49" charset="0"/>
               </a:rPr>
-              <a:t>(-5,2.2,12) </a:t>
-            </a:r>
-            <a:r>
-              <a:rPr lang="en-US" sz="2500" dirty="0" smtClean="0">
+              <a:t>seconds_difference</a:t>
+            </a:r>
+            <a:r>
+              <a:rPr lang="en-US" sz="2500" dirty="0">
                 <a:uFill>
                   <a:solidFill/>
                 </a:uFill>
                 <a:latin typeface="Courier New" panose="02070309020205020404" pitchFamily="49" charset="0"/>
                 <a:cs typeface="Courier New" panose="02070309020205020404" pitchFamily="49" charset="0"/>
               </a:rPr>
-              <a:t>)</a:t>
-            </a:r>
+              <a:t>("23:00:1","24:00:00") )</a:t>
+            </a:r>
+          </a:p>
+          <a:p>
+            <a:pPr lvl="1" indent="0" defTabSz="647700">
+              <a:lnSpc>
+                <a:spcPct val="110000"/>
+              </a:lnSpc>
+              <a:spcBef>
+                <a:spcPts val="400"/>
+              </a:spcBef>
+              <a:buClrTx/>
+              <a:buSzPct val="85000"/>
+              <a:defRPr sz="1800">
+                <a:solidFill>
+                  <a:srgbClr val="000000"/>
+                </a:solidFill>
+                <a:uFillTx/>
+              </a:defRPr>
+            </a:pPr>
+            <a:r>
+              <a:rPr lang="en-US" sz="2500" dirty="0" smtClean="0">
+                <a:uFill>
+                  <a:solidFill/>
+                </a:uFill>
+                <a:latin typeface="Courier New" panose="02070309020205020404" pitchFamily="49" charset="0"/>
+                <a:cs typeface="Courier New" panose="02070309020205020404" pitchFamily="49" charset="0"/>
+              </a:rPr>
+              <a:t>&gt;&gt; 3599</a:t>
+            </a:r>
+          </a:p>
+          <a:p>
+            <a:pPr lvl="1" indent="0" defTabSz="647700">
+              <a:lnSpc>
+                <a:spcPct val="110000"/>
+              </a:lnSpc>
+              <a:spcBef>
+                <a:spcPts val="400"/>
+              </a:spcBef>
+              <a:buClrTx/>
+              <a:buSzPct val="85000"/>
+              <a:defRPr sz="1800">
+                <a:solidFill>
+                  <a:srgbClr val="000000"/>
+                </a:solidFill>
+                <a:uFillTx/>
+              </a:defRPr>
+            </a:pPr>
             <a:endParaRPr lang="en-US" sz="2500" dirty="0">
               <a:uFill>
                 <a:solidFill/>
@@ -7427,54 +7375,19 @@
                 <a:uFill>
                   <a:solidFill/>
                 </a:uFill>
-                <a:latin typeface="Courier New" panose="02070309020205020404" pitchFamily="49" charset="0"/>
                 <a:cs typeface="Courier New" panose="02070309020205020404" pitchFamily="49" charset="0"/>
               </a:rPr>
-              <a:t>&gt;&gt; 12</a:t>
-            </a:r>
-          </a:p>
-          <a:p>
-            <a:pPr lvl="1" indent="0" defTabSz="647700">
-              <a:lnSpc>
-                <a:spcPct val="110000"/>
-              </a:lnSpc>
-              <a:spcBef>
-                <a:spcPts val="400"/>
-              </a:spcBef>
-              <a:buClrTx/>
-              <a:buSzPct val="85000"/>
-              <a:defRPr sz="1800">
-                <a:solidFill>
-                  <a:srgbClr val="000000"/>
-                </a:solidFill>
-                <a:uFillTx/>
-              </a:defRPr>
-            </a:pPr>
-            <a:endParaRPr lang="en-US" sz="2500" dirty="0">
-              <a:uFill>
-                <a:solidFill/>
-              </a:uFill>
-              <a:latin typeface="Courier New" panose="02070309020205020404" pitchFamily="49" charset="0"/>
-              <a:cs typeface="Courier New" panose="02070309020205020404" pitchFamily="49" charset="0"/>
-            </a:endParaRPr>
-          </a:p>
-          <a:p>
-            <a:pPr lvl="1" indent="0" defTabSz="647700">
-              <a:lnSpc>
-                <a:spcPct val="110000"/>
-              </a:lnSpc>
-              <a:spcBef>
-                <a:spcPts val="400"/>
-              </a:spcBef>
-              <a:buClrTx/>
-              <a:buSzPct val="85000"/>
-              <a:defRPr sz="1800">
-                <a:solidFill>
-                  <a:srgbClr val="000000"/>
-                </a:solidFill>
-                <a:uFillTx/>
-              </a:defRPr>
-            </a:pPr>
+              <a:t>Functions you will need to use: </a:t>
+            </a:r>
+            <a:r>
+              <a:rPr lang="en-US" sz="2500" dirty="0" err="1" smtClean="0">
+                <a:uFill>
+                  <a:solidFill/>
+                </a:uFill>
+                <a:cs typeface="Courier New" panose="02070309020205020404" pitchFamily="49" charset="0"/>
+              </a:rPr>
+              <a:t>str.split</a:t>
+            </a:r>
             <a:r>
               <a:rPr lang="en-US" sz="2500" dirty="0" smtClean="0">
                 <a:uFill>
@@ -7482,45 +7395,25 @@
                 </a:uFill>
                 <a:cs typeface="Courier New" panose="02070309020205020404" pitchFamily="49" charset="0"/>
               </a:rPr>
-              <a:t>You will need some </a:t>
+              <a:t>(), </a:t>
+            </a:r>
+            <a:r>
+              <a:rPr lang="en-US" sz="2500" dirty="0" err="1" smtClean="0">
+                <a:uFill>
+                  <a:solidFill/>
+                </a:uFill>
+                <a:cs typeface="Courier New" panose="02070309020205020404" pitchFamily="49" charset="0"/>
+              </a:rPr>
+              <a:t>int</a:t>
             </a:r>
             <a:r>
               <a:rPr lang="en-US" sz="2500" dirty="0" smtClean="0">
                 <a:uFill>
                   <a:solidFill/>
                 </a:uFill>
-                <a:latin typeface="Courier New" panose="02070309020205020404" pitchFamily="49" charset="0"/>
                 <a:cs typeface="Courier New" panose="02070309020205020404" pitchFamily="49" charset="0"/>
               </a:rPr>
-              <a:t>if</a:t>
-            </a:r>
-            <a:r>
-              <a:rPr lang="en-US" sz="2500" dirty="0" smtClean="0">
-                <a:uFill>
-                  <a:solidFill/>
-                </a:uFill>
-                <a:cs typeface="Courier New" panose="02070309020205020404" pitchFamily="49" charset="0"/>
-              </a:rPr>
-              <a:t> statements. Don’t use the built-in </a:t>
-            </a:r>
-            <a:r>
-              <a:rPr lang="en-US" sz="2500" dirty="0" smtClean="0">
-                <a:uFill>
-                  <a:solidFill/>
-                </a:uFill>
-                <a:latin typeface="Courier New" panose="02070309020205020404" pitchFamily="49" charset="0"/>
-                <a:cs typeface="Courier New" panose="02070309020205020404" pitchFamily="49" charset="0"/>
-              </a:rPr>
-              <a:t>max</a:t>
-            </a:r>
-            <a:r>
-              <a:rPr lang="en-US" sz="2500" dirty="0" smtClean="0">
-                <a:uFill>
-                  <a:solidFill/>
-                </a:uFill>
-                <a:cs typeface="Courier New" panose="02070309020205020404" pitchFamily="49" charset="0"/>
-              </a:rPr>
-              <a:t> function.</a:t>
+              <a:t>(), abs(), and basic arithmetic.</a:t>
             </a:r>
             <a:endParaRPr lang="en-US" sz="2500" dirty="0">
               <a:uFill>
@@ -7557,7 +7450,7 @@
     </p:spTree>
     <p:extLst>
       <p:ext uri="{BB962C8B-B14F-4D97-AF65-F5344CB8AC3E}">
-        <p14:creationId xmlns:p14="http://schemas.microsoft.com/office/powerpoint/2010/main" val="2961376338"/>
+        <p14:creationId xmlns:p14="http://schemas.microsoft.com/office/powerpoint/2010/main" val="8516817"/>
       </p:ext>
     </p:extLst>
   </p:cSld>
@@ -7647,7 +7540,7 @@
                   <a:solidFill/>
                 </a:uFill>
               </a:rPr>
-              <a:t>Mini assignment #3</a:t>
+              <a:t>Mini assignment #2</a:t>
             </a:r>
             <a:endParaRPr sz="2800" b="1" cap="all" spc="-56" dirty="0">
               <a:uFill>
@@ -7716,6 +7609,555 @@
                   <a:solidFill/>
                 </a:uFill>
               </a:rPr>
+              <a:t>takes three </a:t>
+            </a:r>
+            <a:r>
+              <a:rPr lang="en-US" sz="2500" dirty="0" smtClean="0">
+                <a:uFill>
+                  <a:solidFill/>
+                </a:uFill>
+              </a:rPr>
+              <a:t>integers or floats as </a:t>
+            </a:r>
+            <a:r>
+              <a:rPr lang="en-US" sz="2500" dirty="0">
+                <a:uFill>
+                  <a:solidFill/>
+                </a:uFill>
+              </a:rPr>
+              <a:t>arguments and returns the largest of them</a:t>
+            </a:r>
+            <a:r>
+              <a:rPr lang="en-US" sz="2500" dirty="0" smtClean="0">
+                <a:uFill>
+                  <a:solidFill/>
+                </a:uFill>
+              </a:rPr>
+              <a:t>.</a:t>
+            </a:r>
+          </a:p>
+          <a:p>
+            <a:pPr lvl="1" indent="0" defTabSz="647700">
+              <a:lnSpc>
+                <a:spcPct val="110000"/>
+              </a:lnSpc>
+              <a:spcBef>
+                <a:spcPts val="400"/>
+              </a:spcBef>
+              <a:buClrTx/>
+              <a:buSzPct val="85000"/>
+              <a:defRPr sz="1800">
+                <a:solidFill>
+                  <a:srgbClr val="000000"/>
+                </a:solidFill>
+                <a:uFillTx/>
+              </a:defRPr>
+            </a:pPr>
+            <a:endParaRPr lang="en-US" sz="2500" dirty="0">
+              <a:uFill>
+                <a:solidFill/>
+              </a:uFill>
+            </a:endParaRPr>
+          </a:p>
+          <a:p>
+            <a:pPr lvl="1" indent="0" defTabSz="647700">
+              <a:lnSpc>
+                <a:spcPct val="110000"/>
+              </a:lnSpc>
+              <a:spcBef>
+                <a:spcPts val="400"/>
+              </a:spcBef>
+              <a:buClrTx/>
+              <a:buSzPct val="85000"/>
+              <a:defRPr sz="1800">
+                <a:solidFill>
+                  <a:srgbClr val="000000"/>
+                </a:solidFill>
+                <a:uFillTx/>
+              </a:defRPr>
+            </a:pPr>
+            <a:r>
+              <a:rPr lang="en-US" sz="2500" dirty="0" err="1" smtClean="0">
+                <a:latin typeface="Courier New" panose="02070309020205020404" pitchFamily="49" charset="0"/>
+                <a:cs typeface="Courier New" panose="02070309020205020404" pitchFamily="49" charset="0"/>
+              </a:rPr>
+              <a:t>def</a:t>
+            </a:r>
+            <a:r>
+              <a:rPr lang="en-US" sz="2500" dirty="0" smtClean="0">
+                <a:latin typeface="Courier New" panose="02070309020205020404" pitchFamily="49" charset="0"/>
+                <a:cs typeface="Courier New" panose="02070309020205020404" pitchFamily="49" charset="0"/>
+              </a:rPr>
+              <a:t> </a:t>
+            </a:r>
+            <a:r>
+              <a:rPr lang="en-US" sz="2500" dirty="0" err="1" smtClean="0">
+                <a:latin typeface="Courier New" panose="02070309020205020404" pitchFamily="49" charset="0"/>
+                <a:cs typeface="Courier New" panose="02070309020205020404" pitchFamily="49" charset="0"/>
+              </a:rPr>
+              <a:t>max_of_three</a:t>
+            </a:r>
+            <a:r>
+              <a:rPr lang="en-US" sz="2500" dirty="0" smtClean="0">
+                <a:latin typeface="Courier New" panose="02070309020205020404" pitchFamily="49" charset="0"/>
+                <a:cs typeface="Courier New" panose="02070309020205020404" pitchFamily="49" charset="0"/>
+              </a:rPr>
+              <a:t>(x1,x2,x3):</a:t>
+            </a:r>
+          </a:p>
+          <a:p>
+            <a:pPr lvl="1" indent="0" defTabSz="647700">
+              <a:lnSpc>
+                <a:spcPct val="110000"/>
+              </a:lnSpc>
+              <a:spcBef>
+                <a:spcPts val="400"/>
+              </a:spcBef>
+              <a:buClrTx/>
+              <a:buSzPct val="85000"/>
+              <a:defRPr sz="1800">
+                <a:solidFill>
+                  <a:srgbClr val="000000"/>
+                </a:solidFill>
+                <a:uFillTx/>
+              </a:defRPr>
+            </a:pPr>
+            <a:r>
+              <a:rPr lang="en-US" sz="2500" dirty="0">
+                <a:latin typeface="Courier New" panose="02070309020205020404" pitchFamily="49" charset="0"/>
+                <a:cs typeface="Courier New" panose="02070309020205020404" pitchFamily="49" charset="0"/>
+              </a:rPr>
+              <a:t>	</a:t>
+            </a:r>
+            <a:r>
+              <a:rPr lang="en-US" sz="2500" dirty="0" smtClean="0">
+                <a:latin typeface="Courier New" panose="02070309020205020404" pitchFamily="49" charset="0"/>
+                <a:cs typeface="Courier New" panose="02070309020205020404" pitchFamily="49" charset="0"/>
+              </a:rPr>
+              <a:t># put your code here</a:t>
+            </a:r>
+          </a:p>
+          <a:p>
+            <a:pPr lvl="1" indent="0" defTabSz="647700">
+              <a:lnSpc>
+                <a:spcPct val="110000"/>
+              </a:lnSpc>
+              <a:spcBef>
+                <a:spcPts val="400"/>
+              </a:spcBef>
+              <a:buClrTx/>
+              <a:buSzPct val="85000"/>
+              <a:defRPr sz="1800">
+                <a:solidFill>
+                  <a:srgbClr val="000000"/>
+                </a:solidFill>
+                <a:uFillTx/>
+              </a:defRPr>
+            </a:pPr>
+            <a:endParaRPr lang="en-US" sz="1800" dirty="0">
+              <a:uFill>
+                <a:solidFill/>
+              </a:uFill>
+              <a:latin typeface="Courier New" panose="02070309020205020404" pitchFamily="49" charset="0"/>
+              <a:cs typeface="Courier New" panose="02070309020205020404" pitchFamily="49" charset="0"/>
+            </a:endParaRPr>
+          </a:p>
+          <a:p>
+            <a:pPr lvl="1" indent="0" defTabSz="647700">
+              <a:lnSpc>
+                <a:spcPct val="110000"/>
+              </a:lnSpc>
+              <a:spcBef>
+                <a:spcPts val="400"/>
+              </a:spcBef>
+              <a:buClrTx/>
+              <a:buSzPct val="85000"/>
+              <a:defRPr sz="1800">
+                <a:solidFill>
+                  <a:srgbClr val="000000"/>
+                </a:solidFill>
+                <a:uFillTx/>
+              </a:defRPr>
+            </a:pPr>
+            <a:r>
+              <a:rPr lang="en-US" sz="2500" dirty="0" smtClean="0">
+                <a:uFill>
+                  <a:solidFill/>
+                </a:uFill>
+              </a:rPr>
+              <a:t>Example usage: </a:t>
+            </a:r>
+          </a:p>
+          <a:p>
+            <a:pPr lvl="1" indent="0" defTabSz="647700">
+              <a:lnSpc>
+                <a:spcPct val="110000"/>
+              </a:lnSpc>
+              <a:spcBef>
+                <a:spcPts val="400"/>
+              </a:spcBef>
+              <a:buClrTx/>
+              <a:buSzPct val="85000"/>
+              <a:defRPr sz="1800">
+                <a:solidFill>
+                  <a:srgbClr val="000000"/>
+                </a:solidFill>
+                <a:uFillTx/>
+              </a:defRPr>
+            </a:pPr>
+            <a:r>
+              <a:rPr lang="en-US" sz="2500" dirty="0" smtClean="0">
+                <a:uFill>
+                  <a:solidFill/>
+                </a:uFill>
+                <a:latin typeface="Courier New" panose="02070309020205020404" pitchFamily="49" charset="0"/>
+                <a:cs typeface="Courier New" panose="02070309020205020404" pitchFamily="49" charset="0"/>
+              </a:rPr>
+              <a:t>print( </a:t>
+            </a:r>
+            <a:r>
+              <a:rPr lang="en-US" sz="2500" dirty="0" err="1" smtClean="0">
+                <a:latin typeface="Courier New" panose="02070309020205020404" pitchFamily="49" charset="0"/>
+                <a:cs typeface="Courier New" panose="02070309020205020404" pitchFamily="49" charset="0"/>
+              </a:rPr>
+              <a:t>max_of_three</a:t>
+            </a:r>
+            <a:r>
+              <a:rPr lang="en-US" sz="2500" dirty="0" smtClean="0">
+                <a:latin typeface="Courier New" panose="02070309020205020404" pitchFamily="49" charset="0"/>
+                <a:cs typeface="Courier New" panose="02070309020205020404" pitchFamily="49" charset="0"/>
+              </a:rPr>
+              <a:t>(-5,2.2,12) </a:t>
+            </a:r>
+            <a:r>
+              <a:rPr lang="en-US" sz="2500" dirty="0" smtClean="0">
+                <a:uFill>
+                  <a:solidFill/>
+                </a:uFill>
+                <a:latin typeface="Courier New" panose="02070309020205020404" pitchFamily="49" charset="0"/>
+                <a:cs typeface="Courier New" panose="02070309020205020404" pitchFamily="49" charset="0"/>
+              </a:rPr>
+              <a:t>)</a:t>
+            </a:r>
+            <a:endParaRPr lang="en-US" sz="2500" dirty="0">
+              <a:uFill>
+                <a:solidFill/>
+              </a:uFill>
+              <a:latin typeface="Courier New" panose="02070309020205020404" pitchFamily="49" charset="0"/>
+              <a:cs typeface="Courier New" panose="02070309020205020404" pitchFamily="49" charset="0"/>
+            </a:endParaRPr>
+          </a:p>
+          <a:p>
+            <a:pPr lvl="1" indent="0" defTabSz="647700">
+              <a:lnSpc>
+                <a:spcPct val="110000"/>
+              </a:lnSpc>
+              <a:spcBef>
+                <a:spcPts val="400"/>
+              </a:spcBef>
+              <a:buClrTx/>
+              <a:buSzPct val="85000"/>
+              <a:defRPr sz="1800">
+                <a:solidFill>
+                  <a:srgbClr val="000000"/>
+                </a:solidFill>
+                <a:uFillTx/>
+              </a:defRPr>
+            </a:pPr>
+            <a:r>
+              <a:rPr lang="en-US" sz="2500" dirty="0" smtClean="0">
+                <a:uFill>
+                  <a:solidFill/>
+                </a:uFill>
+                <a:latin typeface="Courier New" panose="02070309020205020404" pitchFamily="49" charset="0"/>
+                <a:cs typeface="Courier New" panose="02070309020205020404" pitchFamily="49" charset="0"/>
+              </a:rPr>
+              <a:t>&gt;&gt; 12</a:t>
+            </a:r>
+          </a:p>
+          <a:p>
+            <a:pPr lvl="1" indent="0" defTabSz="647700">
+              <a:lnSpc>
+                <a:spcPct val="110000"/>
+              </a:lnSpc>
+              <a:spcBef>
+                <a:spcPts val="400"/>
+              </a:spcBef>
+              <a:buClrTx/>
+              <a:buSzPct val="85000"/>
+              <a:defRPr sz="1800">
+                <a:solidFill>
+                  <a:srgbClr val="000000"/>
+                </a:solidFill>
+                <a:uFillTx/>
+              </a:defRPr>
+            </a:pPr>
+            <a:endParaRPr lang="en-US" sz="2500" dirty="0">
+              <a:uFill>
+                <a:solidFill/>
+              </a:uFill>
+              <a:latin typeface="Courier New" panose="02070309020205020404" pitchFamily="49" charset="0"/>
+              <a:cs typeface="Courier New" panose="02070309020205020404" pitchFamily="49" charset="0"/>
+            </a:endParaRPr>
+          </a:p>
+          <a:p>
+            <a:pPr lvl="1" indent="0" defTabSz="647700">
+              <a:lnSpc>
+                <a:spcPct val="110000"/>
+              </a:lnSpc>
+              <a:spcBef>
+                <a:spcPts val="400"/>
+              </a:spcBef>
+              <a:buClrTx/>
+              <a:buSzPct val="85000"/>
+              <a:defRPr sz="1800">
+                <a:solidFill>
+                  <a:srgbClr val="000000"/>
+                </a:solidFill>
+                <a:uFillTx/>
+              </a:defRPr>
+            </a:pPr>
+            <a:r>
+              <a:rPr lang="en-US" sz="2500" dirty="0" smtClean="0">
+                <a:uFill>
+                  <a:solidFill/>
+                </a:uFill>
+                <a:cs typeface="Courier New" panose="02070309020205020404" pitchFamily="49" charset="0"/>
+              </a:rPr>
+              <a:t>You will need some </a:t>
+            </a:r>
+            <a:r>
+              <a:rPr lang="en-US" sz="2500" dirty="0" smtClean="0">
+                <a:uFill>
+                  <a:solidFill/>
+                </a:uFill>
+                <a:latin typeface="Courier New" panose="02070309020205020404" pitchFamily="49" charset="0"/>
+                <a:cs typeface="Courier New" panose="02070309020205020404" pitchFamily="49" charset="0"/>
+              </a:rPr>
+              <a:t>if</a:t>
+            </a:r>
+            <a:r>
+              <a:rPr lang="en-US" sz="2500" dirty="0" smtClean="0">
+                <a:uFill>
+                  <a:solidFill/>
+                </a:uFill>
+                <a:cs typeface="Courier New" panose="02070309020205020404" pitchFamily="49" charset="0"/>
+              </a:rPr>
+              <a:t> statements. Don’t use the built-in </a:t>
+            </a:r>
+            <a:r>
+              <a:rPr lang="en-US" sz="2500" dirty="0" smtClean="0">
+                <a:uFill>
+                  <a:solidFill/>
+                </a:uFill>
+                <a:latin typeface="Courier New" panose="02070309020205020404" pitchFamily="49" charset="0"/>
+                <a:cs typeface="Courier New" panose="02070309020205020404" pitchFamily="49" charset="0"/>
+              </a:rPr>
+              <a:t>max</a:t>
+            </a:r>
+            <a:r>
+              <a:rPr lang="en-US" sz="2500" dirty="0" smtClean="0">
+                <a:uFill>
+                  <a:solidFill/>
+                </a:uFill>
+                <a:cs typeface="Courier New" panose="02070309020205020404" pitchFamily="49" charset="0"/>
+              </a:rPr>
+              <a:t> function.</a:t>
+            </a:r>
+            <a:endParaRPr lang="en-US" sz="2500" dirty="0">
+              <a:uFill>
+                <a:solidFill/>
+              </a:uFill>
+              <a:cs typeface="Courier New" panose="02070309020205020404" pitchFamily="49" charset="0"/>
+            </a:endParaRPr>
+          </a:p>
+          <a:p>
+            <a:pPr lvl="1" indent="0" defTabSz="647700">
+              <a:lnSpc>
+                <a:spcPct val="110000"/>
+              </a:lnSpc>
+              <a:spcBef>
+                <a:spcPts val="400"/>
+              </a:spcBef>
+              <a:buClrTx/>
+              <a:buSzPct val="85000"/>
+              <a:defRPr sz="1800">
+                <a:solidFill>
+                  <a:srgbClr val="000000"/>
+                </a:solidFill>
+                <a:uFillTx/>
+              </a:defRPr>
+            </a:pPr>
+            <a:endParaRPr lang="en-US" sz="2500" dirty="0">
+              <a:uFill>
+                <a:solidFill/>
+              </a:uFill>
+            </a:endParaRPr>
+          </a:p>
+        </p:txBody>
+      </p:sp>
+    </p:spTree>
+    <p:extLst>
+      <p:ext uri="{BB962C8B-B14F-4D97-AF65-F5344CB8AC3E}">
+        <p14:creationId xmlns:p14="http://schemas.microsoft.com/office/powerpoint/2010/main" val="2961376338"/>
+      </p:ext>
+    </p:extLst>
+  </p:cSld>
+  <p:clrMapOvr>
+    <a:masterClrMapping/>
+  </p:clrMapOvr>
+  <p:transition spd="med"/>
+</p:sld>
+</file>
+
+<file path=ppt/slides/slide22.xml><?xml version="1.0" encoding="utf-8"?>
+<p:sld xmlns:a="http://schemas.openxmlformats.org/drawingml/2006/main" xmlns:r="http://schemas.openxmlformats.org/officeDocument/2006/relationships" xmlns:p="http://schemas.openxmlformats.org/presentationml/2006/main">
+  <p:cSld>
+    <p:spTree>
+      <p:nvGrpSpPr>
+        <p:cNvPr id="1" name=""/>
+        <p:cNvGrpSpPr/>
+        <p:nvPr/>
+      </p:nvGrpSpPr>
+      <p:grpSpPr>
+        <a:xfrm>
+          <a:off x="0" y="0"/>
+          <a:ext cx="0" cy="0"/>
+          <a:chOff x="0" y="0"/>
+          <a:chExt cx="0" cy="0"/>
+        </a:xfrm>
+      </p:grpSpPr>
+      <p:sp>
+        <p:nvSpPr>
+          <p:cNvPr id="2" name="Shape 115"/>
+          <p:cNvSpPr/>
+          <p:nvPr/>
+        </p:nvSpPr>
+        <p:spPr>
+          <a:xfrm>
+            <a:off x="635000" y="736600"/>
+            <a:ext cx="7721600" cy="431800"/>
+          </a:xfrm>
+          <a:prstGeom prst="rect">
+            <a:avLst/>
+          </a:prstGeom>
+          <a:ln w="12700">
+            <a:round/>
+          </a:ln>
+          <a:extLst>
+            <a:ext uri="{C572A759-6A51-4108-AA02-DFA0A04FC94B}">
+              <ma14:wrappingTextBoxFlag xmlns="" xmlns:ma14="http://schemas.microsoft.com/office/mac/drawingml/2011/main" val="1"/>
+            </a:ext>
+          </a:extLst>
+        </p:spPr>
+        <p:txBody>
+          <a:bodyPr lIns="0" tIns="0" rIns="0" bIns="0"/>
+          <a:lstStyle>
+            <a:lvl1pPr defTabSz="647700">
+              <a:lnSpc>
+                <a:spcPts val="3200"/>
+              </a:lnSpc>
+              <a:buClr>
+                <a:srgbClr val="000000"/>
+              </a:buClr>
+              <a:buFont typeface="PFDinTextCompPro-Regular"/>
+              <a:defRPr sz="2800" b="1" cap="all" spc="-56">
+                <a:solidFill>
+                  <a:srgbClr val="000000"/>
+                </a:solidFill>
+                <a:uFill>
+                  <a:solidFill>
+                    <a:srgbClr val="000000"/>
+                  </a:solidFill>
+                </a:uFill>
+                <a:latin typeface="+mj-lt"/>
+                <a:ea typeface="+mj-ea"/>
+                <a:cs typeface="+mj-cs"/>
+                <a:sym typeface="PFDinTextCompPro-Regular"/>
+              </a:defRPr>
+            </a:lvl1pPr>
+          </a:lstStyle>
+          <a:p>
+            <a:pPr lvl="0">
+              <a:defRPr sz="1800" b="0" cap="none" spc="0">
+                <a:uFillTx/>
+              </a:defRPr>
+            </a:pPr>
+            <a:r>
+              <a:rPr lang="en-US" sz="2800" b="1" cap="all" spc="-56" dirty="0" smtClean="0">
+                <a:uFill>
+                  <a:solidFill/>
+                </a:uFill>
+              </a:rPr>
+              <a:t>Mini assignment #3</a:t>
+            </a:r>
+            <a:endParaRPr sz="2800" b="1" cap="all" spc="-56" dirty="0">
+              <a:uFill>
+                <a:solidFill/>
+              </a:uFill>
+            </a:endParaRPr>
+          </a:p>
+        </p:txBody>
+      </p:sp>
+      <p:sp>
+        <p:nvSpPr>
+          <p:cNvPr id="3" name="Rectangle 2"/>
+          <p:cNvSpPr/>
+          <p:nvPr/>
+        </p:nvSpPr>
+        <p:spPr>
+          <a:xfrm>
+            <a:off x="526473" y="1339658"/>
+            <a:ext cx="10788072" cy="5565113"/>
+          </a:xfrm>
+          <a:prstGeom prst="rect">
+            <a:avLst/>
+          </a:prstGeom>
+        </p:spPr>
+        <p:txBody>
+          <a:bodyPr wrap="square">
+            <a:spAutoFit/>
+          </a:bodyPr>
+          <a:lstStyle/>
+          <a:p>
+            <a:pPr lvl="1" indent="0" defTabSz="647700">
+              <a:lnSpc>
+                <a:spcPct val="110000"/>
+              </a:lnSpc>
+              <a:spcBef>
+                <a:spcPts val="400"/>
+              </a:spcBef>
+              <a:buClrTx/>
+              <a:buSzPct val="85000"/>
+              <a:defRPr sz="1800">
+                <a:solidFill>
+                  <a:srgbClr val="000000"/>
+                </a:solidFill>
+                <a:uFillTx/>
+              </a:defRPr>
+            </a:pPr>
+            <a:r>
+              <a:rPr lang="en-US" sz="2500" dirty="0">
+                <a:uFill>
+                  <a:solidFill/>
+                </a:uFill>
+              </a:rPr>
+              <a:t>Define a function </a:t>
+            </a:r>
+            <a:r>
+              <a:rPr lang="en-US" sz="2500" dirty="0" smtClean="0">
+                <a:uFill>
+                  <a:solidFill/>
+                </a:uFill>
+              </a:rPr>
+              <a:t>that </a:t>
+            </a:r>
+            <a:r>
+              <a:rPr lang="en-US" sz="2500" dirty="0">
+                <a:uFill>
+                  <a:solidFill/>
+                </a:uFill>
+              </a:rPr>
               <a:t>takes </a:t>
             </a:r>
             <a:r>
@@ -8125,7 +8567,7 @@
 </p:sld>
 </file>
 
-<file path=ppt/slides/slide22.xml><?xml version="1.0" encoding="utf-8"?>
+<file path=ppt/slides/slide23.xml><?xml version="1.0" encoding="utf-8"?>
 <p:sld xmlns:a="http://schemas.openxmlformats.org/drawingml/2006/main" xmlns:r="http://schemas.openxmlformats.org/officeDocument/2006/relationships" xmlns:p="http://schemas.openxmlformats.org/presentationml/2006/main">
   <p:cSld>
     <p:spTree>
@@ -8393,7 +8835,7 @@
 </p:sld>
 </file>
 
-<file path=ppt/slides/slide23.xml><?xml version="1.0" encoding="utf-8"?>
+<file path=ppt/slides/slide24.xml><?xml version="1.0" encoding="utf-8"?>
 <p:sld xmlns:a="http://schemas.openxmlformats.org/drawingml/2006/main" xmlns:r="http://schemas.openxmlformats.org/officeDocument/2006/relationships" xmlns:p="http://schemas.openxmlformats.org/presentationml/2006/main">
   <p:cSld>
     <p:spTree>
@@ -8852,7 +9294,7 @@
 </p:sld>
 </file>
 
-<file path=ppt/slides/slide24.xml><?xml version="1.0" encoding="utf-8"?>
+<file path=ppt/slides/slide25.xml><?xml version="1.0" encoding="utf-8"?>
 <p:sld xmlns:a="http://schemas.openxmlformats.org/drawingml/2006/main" xmlns:r="http://schemas.openxmlformats.org/officeDocument/2006/relationships" xmlns:p="http://schemas.openxmlformats.org/presentationml/2006/main">
   <p:cSld>
     <p:spTree>
@@ -10169,7 +10611,7 @@
         <p:spPr>
           <a:xfrm>
             <a:off x="526473" y="1912312"/>
-            <a:ext cx="10788072" cy="2836674"/>
+            <a:ext cx="10788072" cy="4260141"/>
           </a:xfrm>
           <a:prstGeom prst="rect">
             <a:avLst/>
@@ -10311,6 +10753,113 @@
               </a:rPr>
               <a:t>That’s not the goal. Our goal is to make it easier to teach yourself Python tomorrow than it was yesterday.</a:t>
             </a:r>
+          </a:p>
+          <a:p>
+            <a:pPr lvl="1" indent="0" defTabSz="647700">
+              <a:lnSpc>
+                <a:spcPct val="110000"/>
+              </a:lnSpc>
+              <a:spcBef>
+                <a:spcPts val="400"/>
+              </a:spcBef>
+              <a:buClrTx/>
+              <a:buSzPct val="85000"/>
+              <a:defRPr sz="1800">
+                <a:solidFill>
+                  <a:srgbClr val="000000"/>
+                </a:solidFill>
+                <a:uFillTx/>
+              </a:defRPr>
+            </a:pPr>
+            <a:endParaRPr lang="en-US" sz="2500" dirty="0">
+              <a:uFill>
+                <a:solidFill/>
+              </a:uFill>
+            </a:endParaRPr>
+          </a:p>
+          <a:p>
+            <a:pPr lvl="1" indent="0" defTabSz="647700">
+              <a:lnSpc>
+                <a:spcPct val="110000"/>
+              </a:lnSpc>
+              <a:spcBef>
+                <a:spcPts val="400"/>
+              </a:spcBef>
+              <a:buClrTx/>
+              <a:buSzPct val="85000"/>
+              <a:defRPr sz="1800">
+                <a:solidFill>
+                  <a:srgbClr val="000000"/>
+                </a:solidFill>
+                <a:uFillTx/>
+              </a:defRPr>
+            </a:pPr>
+            <a:r>
+              <a:rPr lang="en-US" sz="2500" dirty="0" smtClean="0">
+                <a:uFill>
+                  <a:solidFill/>
+                </a:uFill>
+              </a:rPr>
+              <a:t>All </a:t>
+            </a:r>
+            <a:r>
+              <a:rPr lang="en-US" sz="2500" dirty="0">
+                <a:uFill>
+                  <a:solidFill/>
+                </a:uFill>
+              </a:rPr>
+              <a:t>the material is here: </a:t>
+            </a:r>
+            <a:r>
+              <a:rPr lang="en-US" sz="2500" dirty="0">
+                <a:uFill>
+                  <a:solidFill/>
+                </a:uFill>
+                <a:hlinkClick r:id="rId2"/>
+              </a:rPr>
+              <a:t>https</a:t>
+            </a:r>
+            <a:r>
+              <a:rPr lang="en-US" sz="2500">
+                <a:uFill>
+                  <a:solidFill/>
+                </a:uFill>
+                <a:hlinkClick r:id="rId2"/>
+              </a:rPr>
+              <a:t>://</a:t>
+            </a:r>
+            <a:r>
+              <a:rPr lang="en-US" sz="2500" smtClean="0">
+                <a:uFill>
+                  <a:solidFill/>
+                </a:uFill>
+                <a:hlinkClick r:id="rId2"/>
+              </a:rPr>
+              <a:t>github.com/sergeyf/Python_intro_class</a:t>
+            </a:r>
+            <a:endParaRPr lang="en-US" sz="2500" smtClean="0">
+              <a:uFill>
+                <a:solidFill/>
+              </a:uFill>
+            </a:endParaRPr>
+          </a:p>
+          <a:p>
+            <a:pPr lvl="1" indent="0" defTabSz="647700">
+              <a:lnSpc>
+                <a:spcPct val="110000"/>
+              </a:lnSpc>
+              <a:spcBef>
+                <a:spcPts val="400"/>
+              </a:spcBef>
+              <a:buClrTx/>
+              <a:buSzPct val="85000"/>
+              <a:defRPr sz="1800">
+                <a:solidFill>
+                  <a:srgbClr val="000000"/>
+                </a:solidFill>
+                <a:uFillTx/>
+              </a:defRPr>
+            </a:pPr>
             <a:endParaRPr lang="en-US" sz="2500" dirty="0">
               <a:uFill>
                 <a:solidFill/>

--- a/Python_Course_1.pptx
+++ b/Python_Course_1.pptx
@@ -708,7 +708,7 @@
           </a:ln>
           <a:extLst>
             <a:ext uri="{C572A759-6A51-4108-AA02-DFA0A04FC94B}">
-              <ma14:wrappingTextBoxFlag xmlns="" xmlns:ma14="http://schemas.microsoft.com/office/mac/drawingml/2011/main" val="1"/>
+              <ma14:wrappingTextBoxFlag xmlns:ma14="http://schemas.microsoft.com/office/mac/drawingml/2011/main" xmlns="" val="1"/>
             </a:ext>
           </a:extLst>
         </p:spPr>
@@ -1113,7 +1113,7 @@
           </a:ln>
           <a:extLst>
             <a:ext uri="{C572A759-6A51-4108-AA02-DFA0A04FC94B}">
-              <ma14:wrappingTextBoxFlag xmlns="" xmlns:ma14="http://schemas.microsoft.com/office/mac/drawingml/2011/main" val="1"/>
+              <ma14:wrappingTextBoxFlag xmlns:ma14="http://schemas.microsoft.com/office/mac/drawingml/2011/main" xmlns="" val="1"/>
             </a:ext>
           </a:extLst>
         </p:spPr>
@@ -1735,7 +1735,7 @@
           </a:ln>
           <a:extLst>
             <a:ext uri="{C572A759-6A51-4108-AA02-DFA0A04FC94B}">
-              <ma14:wrappingTextBoxFlag xmlns:ma14="http://schemas.microsoft.com/office/mac/drawingml/2011/main" xmlns="" val="1"/>
+              <ma14:wrappingTextBoxFlag xmlns="" xmlns:ma14="http://schemas.microsoft.com/office/mac/drawingml/2011/main" val="1"/>
             </a:ext>
           </a:extLst>
         </p:spPr>
@@ -1813,7 +1813,7 @@
           </a:ln>
           <a:extLst>
             <a:ext uri="{C572A759-6A51-4108-AA02-DFA0A04FC94B}">
-              <ma14:wrappingTextBoxFlag xmlns:ma14="http://schemas.microsoft.com/office/mac/drawingml/2011/main" xmlns="" val="1"/>
+              <ma14:wrappingTextBoxFlag xmlns="" xmlns:ma14="http://schemas.microsoft.com/office/mac/drawingml/2011/main" val="1"/>
             </a:ext>
           </a:extLst>
         </p:spPr>
@@ -1874,6 +1874,13 @@
     <a:masterClrMapping/>
   </p:clrMapOvr>
   <p:transition spd="med"/>
+  <p:timing>
+    <p:tnLst>
+      <p:par>
+        <p:cTn id="1" dur="indefinite" restart="never" nodeType="tmRoot"/>
+      </p:par>
+    </p:tnLst>
+  </p:timing>
 </p:sld>
 </file>
 
@@ -1913,7 +1920,7 @@
           </a:ln>
           <a:extLst>
             <a:ext uri="{C572A759-6A51-4108-AA02-DFA0A04FC94B}">
-              <ma14:wrappingTextBoxFlag xmlns="" xmlns:ma14="http://schemas.microsoft.com/office/mac/drawingml/2011/main" val="1"/>
+              <ma14:wrappingTextBoxFlag xmlns:ma14="http://schemas.microsoft.com/office/mac/drawingml/2011/main" xmlns="" val="1"/>
             </a:ext>
           </a:extLst>
         </p:spPr>
@@ -1985,7 +1992,7 @@
           </a:ln>
           <a:extLst>
             <a:ext uri="{C572A759-6A51-4108-AA02-DFA0A04FC94B}">
-              <ma14:wrappingTextBoxFlag xmlns="" xmlns:ma14="http://schemas.microsoft.com/office/mac/drawingml/2011/main" val="1"/>
+              <ma14:wrappingTextBoxFlag xmlns:ma14="http://schemas.microsoft.com/office/mac/drawingml/2011/main" xmlns="" val="1"/>
             </a:ext>
           </a:extLst>
         </p:spPr>
@@ -2055,7 +2062,7 @@
           </a:ln>
           <a:extLst>
             <a:ext uri="{C572A759-6A51-4108-AA02-DFA0A04FC94B}">
-              <ma14:wrappingTextBoxFlag xmlns="" xmlns:ma14="http://schemas.microsoft.com/office/mac/drawingml/2011/main" val="1"/>
+              <ma14:wrappingTextBoxFlag xmlns:ma14="http://schemas.microsoft.com/office/mac/drawingml/2011/main" xmlns="" val="1"/>
             </a:ext>
           </a:extLst>
         </p:spPr>
@@ -2314,6 +2321,13 @@
     <a:masterClrMapping/>
   </p:clrMapOvr>
   <p:transition spd="med"/>
+  <p:timing>
+    <p:tnLst>
+      <p:par>
+        <p:cTn id="1" dur="indefinite" restart="never" nodeType="tmRoot"/>
+      </p:par>
+    </p:tnLst>
+  </p:timing>
 </p:sld>
 </file>
 
@@ -2353,7 +2367,7 @@
           </a:ln>
           <a:extLst>
             <a:ext uri="{C572A759-6A51-4108-AA02-DFA0A04FC94B}">
-              <ma14:wrappingTextBoxFlag xmlns="" xmlns:ma14="http://schemas.microsoft.com/office/mac/drawingml/2011/main" val="1"/>
+              <ma14:wrappingTextBoxFlag xmlns:ma14="http://schemas.microsoft.com/office/mac/drawingml/2011/main" xmlns="" val="1"/>
             </a:ext>
           </a:extLst>
         </p:spPr>
@@ -2425,7 +2439,7 @@
           </a:ln>
           <a:extLst>
             <a:ext uri="{C572A759-6A51-4108-AA02-DFA0A04FC94B}">
-              <ma14:wrappingTextBoxFlag xmlns="" xmlns:ma14="http://schemas.microsoft.com/office/mac/drawingml/2011/main" val="1"/>
+              <ma14:wrappingTextBoxFlag xmlns:ma14="http://schemas.microsoft.com/office/mac/drawingml/2011/main" xmlns="" val="1"/>
             </a:ext>
           </a:extLst>
         </p:spPr>
@@ -2495,7 +2509,7 @@
           </a:ln>
           <a:extLst>
             <a:ext uri="{C572A759-6A51-4108-AA02-DFA0A04FC94B}">
-              <ma14:wrappingTextBoxFlag xmlns="" xmlns:ma14="http://schemas.microsoft.com/office/mac/drawingml/2011/main" val="1"/>
+              <ma14:wrappingTextBoxFlag xmlns:ma14="http://schemas.microsoft.com/office/mac/drawingml/2011/main" xmlns="" val="1"/>
             </a:ext>
           </a:extLst>
         </p:spPr>
@@ -2722,6 +2736,13 @@
     <a:masterClrMapping/>
   </p:clrMapOvr>
   <p:transition spd="med"/>
+  <p:timing>
+    <p:tnLst>
+      <p:par>
+        <p:cTn id="1" dur="indefinite" restart="never" nodeType="tmRoot"/>
+      </p:par>
+    </p:tnLst>
+  </p:timing>
 </p:sld>
 </file>
 
@@ -2761,7 +2782,7 @@
           </a:ln>
           <a:extLst>
             <a:ext uri="{C572A759-6A51-4108-AA02-DFA0A04FC94B}">
-              <ma14:wrappingTextBoxFlag xmlns="" xmlns:ma14="http://schemas.microsoft.com/office/mac/drawingml/2011/main" val="1"/>
+              <ma14:wrappingTextBoxFlag xmlns:ma14="http://schemas.microsoft.com/office/mac/drawingml/2011/main" xmlns="" val="1"/>
             </a:ext>
           </a:extLst>
         </p:spPr>
@@ -2891,7 +2912,7 @@
           </a:ln>
           <a:extLst>
             <a:ext uri="{C572A759-6A51-4108-AA02-DFA0A04FC94B}">
-              <ma14:wrappingTextBoxFlag xmlns="" xmlns:ma14="http://schemas.microsoft.com/office/mac/drawingml/2011/main" val="1"/>
+              <ma14:wrappingTextBoxFlag xmlns:ma14="http://schemas.microsoft.com/office/mac/drawingml/2011/main" xmlns="" val="1"/>
             </a:ext>
           </a:extLst>
         </p:spPr>
@@ -2963,7 +2984,7 @@
           </a:ln>
           <a:extLst>
             <a:ext uri="{C572A759-6A51-4108-AA02-DFA0A04FC94B}">
-              <ma14:wrappingTextBoxFlag xmlns="" xmlns:ma14="http://schemas.microsoft.com/office/mac/drawingml/2011/main" val="1"/>
+              <ma14:wrappingTextBoxFlag xmlns:ma14="http://schemas.microsoft.com/office/mac/drawingml/2011/main" xmlns="" val="1"/>
             </a:ext>
           </a:extLst>
         </p:spPr>
@@ -3014,7 +3035,7 @@
           </a:ln>
           <a:extLst>
             <a:ext uri="{C572A759-6A51-4108-AA02-DFA0A04FC94B}">
-              <ma14:wrappingTextBoxFlag xmlns="" xmlns:ma14="http://schemas.microsoft.com/office/mac/drawingml/2011/main" val="1"/>
+              <ma14:wrappingTextBoxFlag xmlns:ma14="http://schemas.microsoft.com/office/mac/drawingml/2011/main" xmlns="" val="1"/>
             </a:ext>
           </a:extLst>
         </p:spPr>
@@ -3340,6 +3361,13 @@
     <a:masterClrMapping/>
   </p:clrMapOvr>
   <p:transition spd="med"/>
+  <p:timing>
+    <p:tnLst>
+      <p:par>
+        <p:cTn id="1" dur="indefinite" restart="never" nodeType="tmRoot"/>
+      </p:par>
+    </p:tnLst>
+  </p:timing>
 </p:sld>
 </file>
 
@@ -3379,7 +3407,7 @@
           </a:ln>
           <a:extLst>
             <a:ext uri="{C572A759-6A51-4108-AA02-DFA0A04FC94B}">
-              <ma14:wrappingTextBoxFlag xmlns="" xmlns:ma14="http://schemas.microsoft.com/office/mac/drawingml/2011/main" val="1"/>
+              <ma14:wrappingTextBoxFlag xmlns:ma14="http://schemas.microsoft.com/office/mac/drawingml/2011/main" xmlns="" val="1"/>
             </a:ext>
           </a:extLst>
         </p:spPr>
@@ -3509,7 +3537,7 @@
           </a:ln>
           <a:extLst>
             <a:ext uri="{C572A759-6A51-4108-AA02-DFA0A04FC94B}">
-              <ma14:wrappingTextBoxFlag xmlns="" xmlns:ma14="http://schemas.microsoft.com/office/mac/drawingml/2011/main" val="1"/>
+              <ma14:wrappingTextBoxFlag xmlns:ma14="http://schemas.microsoft.com/office/mac/drawingml/2011/main" xmlns="" val="1"/>
             </a:ext>
           </a:extLst>
         </p:spPr>
@@ -3581,7 +3609,7 @@
           </a:ln>
           <a:extLst>
             <a:ext uri="{C572A759-6A51-4108-AA02-DFA0A04FC94B}">
-              <ma14:wrappingTextBoxFlag xmlns="" xmlns:ma14="http://schemas.microsoft.com/office/mac/drawingml/2011/main" val="1"/>
+              <ma14:wrappingTextBoxFlag xmlns:ma14="http://schemas.microsoft.com/office/mac/drawingml/2011/main" xmlns="" val="1"/>
             </a:ext>
           </a:extLst>
         </p:spPr>
@@ -3634,7 +3662,7 @@
           </a:ln>
           <a:extLst>
             <a:ext uri="{C572A759-6A51-4108-AA02-DFA0A04FC94B}">
-              <ma14:wrappingTextBoxFlag xmlns="" xmlns:ma14="http://schemas.microsoft.com/office/mac/drawingml/2011/main" val="1"/>
+              <ma14:wrappingTextBoxFlag xmlns:ma14="http://schemas.microsoft.com/office/mac/drawingml/2011/main" xmlns="" val="1"/>
             </a:ext>
           </a:extLst>
         </p:spPr>
@@ -3712,7 +3740,7 @@
           </a:ln>
           <a:extLst>
             <a:ext uri="{C572A759-6A51-4108-AA02-DFA0A04FC94B}">
-              <ma14:wrappingTextBoxFlag xmlns="" xmlns:ma14="http://schemas.microsoft.com/office/mac/drawingml/2011/main" val="1"/>
+              <ma14:wrappingTextBoxFlag xmlns:ma14="http://schemas.microsoft.com/office/mac/drawingml/2011/main" xmlns="" val="1"/>
             </a:ext>
           </a:extLst>
         </p:spPr>
@@ -3971,6 +3999,13 @@
     <a:masterClrMapping/>
   </p:clrMapOvr>
   <p:transition spd="med"/>
+  <p:timing>
+    <p:tnLst>
+      <p:par>
+        <p:cTn id="1" dur="indefinite" restart="never" nodeType="tmRoot"/>
+      </p:par>
+    </p:tnLst>
+  </p:timing>
 </p:sld>
 </file>
 
@@ -4010,7 +4045,7 @@
           </a:ln>
           <a:extLst>
             <a:ext uri="{C572A759-6A51-4108-AA02-DFA0A04FC94B}">
-              <ma14:wrappingTextBoxFlag xmlns="" xmlns:ma14="http://schemas.microsoft.com/office/mac/drawingml/2011/main" val="1"/>
+              <ma14:wrappingTextBoxFlag xmlns:ma14="http://schemas.microsoft.com/office/mac/drawingml/2011/main" xmlns="" val="1"/>
             </a:ext>
           </a:extLst>
         </p:spPr>
@@ -4140,7 +4175,7 @@
           </a:ln>
           <a:extLst>
             <a:ext uri="{C572A759-6A51-4108-AA02-DFA0A04FC94B}">
-              <ma14:wrappingTextBoxFlag xmlns="" xmlns:ma14="http://schemas.microsoft.com/office/mac/drawingml/2011/main" val="1"/>
+              <ma14:wrappingTextBoxFlag xmlns:ma14="http://schemas.microsoft.com/office/mac/drawingml/2011/main" xmlns="" val="1"/>
             </a:ext>
           </a:extLst>
         </p:spPr>
@@ -4212,7 +4247,7 @@
           </a:ln>
           <a:extLst>
             <a:ext uri="{C572A759-6A51-4108-AA02-DFA0A04FC94B}">
-              <ma14:wrappingTextBoxFlag xmlns="" xmlns:ma14="http://schemas.microsoft.com/office/mac/drawingml/2011/main" val="1"/>
+              <ma14:wrappingTextBoxFlag xmlns:ma14="http://schemas.microsoft.com/office/mac/drawingml/2011/main" xmlns="" val="1"/>
             </a:ext>
           </a:extLst>
         </p:spPr>
@@ -4265,7 +4300,7 @@
           </a:ln>
           <a:extLst>
             <a:ext uri="{C572A759-6A51-4108-AA02-DFA0A04FC94B}">
-              <ma14:wrappingTextBoxFlag xmlns="" xmlns:ma14="http://schemas.microsoft.com/office/mac/drawingml/2011/main" val="1"/>
+              <ma14:wrappingTextBoxFlag xmlns:ma14="http://schemas.microsoft.com/office/mac/drawingml/2011/main" xmlns="" val="1"/>
             </a:ext>
           </a:extLst>
         </p:spPr>
@@ -4335,7 +4370,7 @@
           </a:ln>
           <a:extLst>
             <a:ext uri="{C572A759-6A51-4108-AA02-DFA0A04FC94B}">
-              <ma14:wrappingTextBoxFlag xmlns="" xmlns:ma14="http://schemas.microsoft.com/office/mac/drawingml/2011/main" val="1"/>
+              <ma14:wrappingTextBoxFlag xmlns:ma14="http://schemas.microsoft.com/office/mac/drawingml/2011/main" xmlns="" val="1"/>
             </a:ext>
           </a:extLst>
         </p:spPr>
@@ -4459,6 +4494,13 @@
     <a:masterClrMapping/>
   </p:clrMapOvr>
   <p:transition spd="med"/>
+  <p:timing>
+    <p:tnLst>
+      <p:par>
+        <p:cTn id="1" dur="indefinite" restart="never" nodeType="tmRoot"/>
+      </p:par>
+    </p:tnLst>
+  </p:timing>
 </p:sld>
 </file>
 
@@ -4498,7 +4540,7 @@
           </a:ln>
           <a:extLst>
             <a:ext uri="{C572A759-6A51-4108-AA02-DFA0A04FC94B}">
-              <ma14:wrappingTextBoxFlag xmlns="" xmlns:ma14="http://schemas.microsoft.com/office/mac/drawingml/2011/main" val="1"/>
+              <ma14:wrappingTextBoxFlag xmlns:ma14="http://schemas.microsoft.com/office/mac/drawingml/2011/main" xmlns="" val="1"/>
             </a:ext>
           </a:extLst>
         </p:spPr>
@@ -4657,7 +4699,7 @@
           </a:ln>
           <a:extLst>
             <a:ext uri="{C572A759-6A51-4108-AA02-DFA0A04FC94B}">
-              <ma14:wrappingTextBoxFlag xmlns="" xmlns:ma14="http://schemas.microsoft.com/office/mac/drawingml/2011/main" val="1"/>
+              <ma14:wrappingTextBoxFlag xmlns:ma14="http://schemas.microsoft.com/office/mac/drawingml/2011/main" xmlns="" val="1"/>
             </a:ext>
           </a:extLst>
         </p:spPr>
@@ -4727,6 +4769,13 @@
     <a:masterClrMapping/>
   </p:clrMapOvr>
   <p:transition spd="med"/>
+  <p:timing>
+    <p:tnLst>
+      <p:par>
+        <p:cTn id="1" dur="indefinite" restart="never" nodeType="tmRoot"/>
+      </p:par>
+    </p:tnLst>
+  </p:timing>
 </p:sld>
 </file>
 
@@ -4766,7 +4815,7 @@
           </a:ln>
           <a:extLst>
             <a:ext uri="{C572A759-6A51-4108-AA02-DFA0A04FC94B}">
-              <ma14:wrappingTextBoxFlag xmlns="" xmlns:ma14="http://schemas.microsoft.com/office/mac/drawingml/2011/main" val="1"/>
+              <ma14:wrappingTextBoxFlag xmlns:ma14="http://schemas.microsoft.com/office/mac/drawingml/2011/main" xmlns="" val="1"/>
             </a:ext>
           </a:extLst>
         </p:spPr>
@@ -4896,7 +4945,7 @@
           </a:ln>
           <a:extLst>
             <a:ext uri="{C572A759-6A51-4108-AA02-DFA0A04FC94B}">
-              <ma14:wrappingTextBoxFlag xmlns="" xmlns:ma14="http://schemas.microsoft.com/office/mac/drawingml/2011/main" val="1"/>
+              <ma14:wrappingTextBoxFlag xmlns:ma14="http://schemas.microsoft.com/office/mac/drawingml/2011/main" xmlns="" val="1"/>
             </a:ext>
           </a:extLst>
         </p:spPr>
@@ -4968,7 +5017,7 @@
           </a:ln>
           <a:extLst>
             <a:ext uri="{C572A759-6A51-4108-AA02-DFA0A04FC94B}">
-              <ma14:wrappingTextBoxFlag xmlns="" xmlns:ma14="http://schemas.microsoft.com/office/mac/drawingml/2011/main" val="1"/>
+              <ma14:wrappingTextBoxFlag xmlns:ma14="http://schemas.microsoft.com/office/mac/drawingml/2011/main" xmlns="" val="1"/>
             </a:ext>
           </a:extLst>
         </p:spPr>
@@ -5030,7 +5079,7 @@
           </a:ln>
           <a:extLst>
             <a:ext uri="{C572A759-6A51-4108-AA02-DFA0A04FC94B}">
-              <ma14:wrappingTextBoxFlag xmlns="" xmlns:ma14="http://schemas.microsoft.com/office/mac/drawingml/2011/main" val="1"/>
+              <ma14:wrappingTextBoxFlag xmlns:ma14="http://schemas.microsoft.com/office/mac/drawingml/2011/main" xmlns="" val="1"/>
             </a:ext>
           </a:extLst>
         </p:spPr>
@@ -5064,11 +5113,6 @@
               </a:rPr>
               <a:t>Basics – arithmetic, variables, built-in functions, strings, lists.</a:t>
             </a:r>
-            <a:endParaRPr lang="en-US" sz="2500" dirty="0" smtClean="0">
-              <a:uFill>
-                <a:solidFill/>
-              </a:uFill>
-            </a:endParaRPr>
           </a:p>
           <a:p>
             <a:pPr marL="457200" lvl="1" indent="-457200" defTabSz="647700">
@@ -5123,21 +5167,8 @@
                   <a:solidFill/>
                 </a:uFill>
               </a:rPr>
-              <a:t>Control </a:t>
-            </a:r>
-            <a:r>
-              <a:rPr lang="en-US" sz="2500" dirty="0" smtClean="0">
-                <a:uFill>
-                  <a:solidFill/>
-                </a:uFill>
-              </a:rPr>
-              <a:t>flow: if, while, for.</a:t>
-            </a:r>
-            <a:endParaRPr lang="en-US" sz="2500" dirty="0" smtClean="0">
-              <a:uFill>
-                <a:solidFill/>
-              </a:uFill>
-            </a:endParaRPr>
+              <a:t>Control flow: if, while, for.</a:t>
+            </a:r>
           </a:p>
           <a:p>
             <a:pPr marL="457200" lvl="1" indent="-457200" defTabSz="647700">
@@ -5275,6 +5306,13 @@
     <a:masterClrMapping/>
   </p:clrMapOvr>
   <p:transition spd="med"/>
+  <p:timing>
+    <p:tnLst>
+      <p:par>
+        <p:cTn id="1" dur="indefinite" restart="never" nodeType="tmRoot"/>
+      </p:par>
+    </p:tnLst>
+  </p:timing>
 </p:sld>
 </file>
 
@@ -5314,7 +5352,7 @@
           </a:ln>
           <a:extLst>
             <a:ext uri="{C572A759-6A51-4108-AA02-DFA0A04FC94B}">
-              <ma14:wrappingTextBoxFlag xmlns="" xmlns:ma14="http://schemas.microsoft.com/office/mac/drawingml/2011/main" val="1"/>
+              <ma14:wrappingTextBoxFlag xmlns:ma14="http://schemas.microsoft.com/office/mac/drawingml/2011/main" xmlns="" val="1"/>
             </a:ext>
           </a:extLst>
         </p:spPr>
@@ -5444,7 +5482,7 @@
           </a:ln>
           <a:extLst>
             <a:ext uri="{C572A759-6A51-4108-AA02-DFA0A04FC94B}">
-              <ma14:wrappingTextBoxFlag xmlns="" xmlns:ma14="http://schemas.microsoft.com/office/mac/drawingml/2011/main" val="1"/>
+              <ma14:wrappingTextBoxFlag xmlns:ma14="http://schemas.microsoft.com/office/mac/drawingml/2011/main" xmlns="" val="1"/>
             </a:ext>
           </a:extLst>
         </p:spPr>
@@ -5516,7 +5554,7 @@
           </a:ln>
           <a:extLst>
             <a:ext uri="{C572A759-6A51-4108-AA02-DFA0A04FC94B}">
-              <ma14:wrappingTextBoxFlag xmlns="" xmlns:ma14="http://schemas.microsoft.com/office/mac/drawingml/2011/main" val="1"/>
+              <ma14:wrappingTextBoxFlag xmlns:ma14="http://schemas.microsoft.com/office/mac/drawingml/2011/main" xmlns="" val="1"/>
             </a:ext>
           </a:extLst>
         </p:spPr>
@@ -5578,7 +5616,7 @@
           </a:ln>
           <a:extLst>
             <a:ext uri="{C572A759-6A51-4108-AA02-DFA0A04FC94B}">
-              <ma14:wrappingTextBoxFlag xmlns="" xmlns:ma14="http://schemas.microsoft.com/office/mac/drawingml/2011/main" val="1"/>
+              <ma14:wrappingTextBoxFlag xmlns:ma14="http://schemas.microsoft.com/office/mac/drawingml/2011/main" xmlns="" val="1"/>
             </a:ext>
           </a:extLst>
         </p:spPr>
@@ -5789,6 +5827,13 @@
     <a:masterClrMapping/>
   </p:clrMapOvr>
   <p:transition spd="med"/>
+  <p:timing>
+    <p:tnLst>
+      <p:par>
+        <p:cTn id="1" dur="indefinite" restart="never" nodeType="tmRoot"/>
+      </p:par>
+    </p:tnLst>
+  </p:timing>
 </p:sld>
 </file>
 
@@ -5828,7 +5873,7 @@
           </a:ln>
           <a:extLst>
             <a:ext uri="{C572A759-6A51-4108-AA02-DFA0A04FC94B}">
-              <ma14:wrappingTextBoxFlag xmlns="" xmlns:ma14="http://schemas.microsoft.com/office/mac/drawingml/2011/main" val="1"/>
+              <ma14:wrappingTextBoxFlag xmlns:ma14="http://schemas.microsoft.com/office/mac/drawingml/2011/main" xmlns="" val="1"/>
             </a:ext>
           </a:extLst>
         </p:spPr>
@@ -6008,7 +6053,7 @@
           </a:ln>
           <a:extLst>
             <a:ext uri="{C572A759-6A51-4108-AA02-DFA0A04FC94B}">
-              <ma14:wrappingTextBoxFlag xmlns="" xmlns:ma14="http://schemas.microsoft.com/office/mac/drawingml/2011/main" val="1"/>
+              <ma14:wrappingTextBoxFlag xmlns:ma14="http://schemas.microsoft.com/office/mac/drawingml/2011/main" xmlns="" val="1"/>
             </a:ext>
           </a:extLst>
         </p:spPr>
@@ -6078,6 +6123,13 @@
     <a:masterClrMapping/>
   </p:clrMapOvr>
   <p:transition spd="med"/>
+  <p:timing>
+    <p:tnLst>
+      <p:par>
+        <p:cTn id="1" dur="indefinite" restart="never" nodeType="tmRoot"/>
+      </p:par>
+    </p:tnLst>
+  </p:timing>
 </p:sld>
 </file>
 
@@ -6117,7 +6169,7 @@
           </a:ln>
           <a:extLst>
             <a:ext uri="{C572A759-6A51-4108-AA02-DFA0A04FC94B}">
-              <ma14:wrappingTextBoxFlag xmlns="" xmlns:ma14="http://schemas.microsoft.com/office/mac/drawingml/2011/main" val="1"/>
+              <ma14:wrappingTextBoxFlag xmlns:ma14="http://schemas.microsoft.com/office/mac/drawingml/2011/main" xmlns="" val="1"/>
             </a:ext>
           </a:extLst>
         </p:spPr>
@@ -6498,6 +6550,13 @@
     <a:masterClrMapping/>
   </p:clrMapOvr>
   <p:transition spd="med"/>
+  <p:timing>
+    <p:tnLst>
+      <p:par>
+        <p:cTn id="1" dur="indefinite" restart="never" nodeType="tmRoot"/>
+      </p:par>
+    </p:tnLst>
+  </p:timing>
 </p:sld>
 </file>
 
@@ -6537,7 +6596,7 @@
           </a:ln>
           <a:extLst>
             <a:ext uri="{C572A759-6A51-4108-AA02-DFA0A04FC94B}">
-              <ma14:wrappingTextBoxFlag xmlns="" xmlns:ma14="http://schemas.microsoft.com/office/mac/drawingml/2011/main" val="1"/>
+              <ma14:wrappingTextBoxFlag xmlns:ma14="http://schemas.microsoft.com/office/mac/drawingml/2011/main" xmlns="" val="1"/>
             </a:ext>
           </a:extLst>
         </p:spPr>
@@ -6717,7 +6776,7 @@
           </a:ln>
           <a:extLst>
             <a:ext uri="{C572A759-6A51-4108-AA02-DFA0A04FC94B}">
-              <ma14:wrappingTextBoxFlag xmlns="" xmlns:ma14="http://schemas.microsoft.com/office/mac/drawingml/2011/main" val="1"/>
+              <ma14:wrappingTextBoxFlag xmlns:ma14="http://schemas.microsoft.com/office/mac/drawingml/2011/main" xmlns="" val="1"/>
             </a:ext>
           </a:extLst>
         </p:spPr>
@@ -6867,7 +6926,7 @@
           </a:ln>
           <a:extLst>
             <a:ext uri="{C572A759-6A51-4108-AA02-DFA0A04FC94B}">
-              <ma14:wrappingTextBoxFlag xmlns="" xmlns:ma14="http://schemas.microsoft.com/office/mac/drawingml/2011/main" val="1"/>
+              <ma14:wrappingTextBoxFlag xmlns:ma14="http://schemas.microsoft.com/office/mac/drawingml/2011/main" xmlns="" val="1"/>
             </a:ext>
           </a:extLst>
         </p:spPr>
@@ -6952,6 +7011,13 @@
     <a:masterClrMapping/>
   </p:clrMapOvr>
   <p:transition spd="med"/>
+  <p:timing>
+    <p:tnLst>
+      <p:par>
+        <p:cTn id="1" dur="indefinite" restart="never" nodeType="tmRoot"/>
+      </p:par>
+    </p:tnLst>
+  </p:timing>
 </p:sld>
 </file>
 
@@ -6991,7 +7057,7 @@
           </a:ln>
           <a:extLst>
             <a:ext uri="{C572A759-6A51-4108-AA02-DFA0A04FC94B}">
-              <ma14:wrappingTextBoxFlag xmlns="" xmlns:ma14="http://schemas.microsoft.com/office/mac/drawingml/2011/main" val="1"/>
+              <ma14:wrappingTextBoxFlag xmlns:ma14="http://schemas.microsoft.com/office/mac/drawingml/2011/main" xmlns="" val="1"/>
             </a:ext>
           </a:extLst>
         </p:spPr>
@@ -7458,6 +7524,13 @@
     <a:masterClrMapping/>
   </p:clrMapOvr>
   <p:transition spd="med"/>
+  <p:timing>
+    <p:tnLst>
+      <p:par>
+        <p:cTn id="1" dur="indefinite" restart="never" nodeType="tmRoot"/>
+      </p:par>
+    </p:tnLst>
+  </p:timing>
 </p:sld>
 </file>
 
@@ -7497,7 +7570,7 @@
           </a:ln>
           <a:extLst>
             <a:ext uri="{C572A759-6A51-4108-AA02-DFA0A04FC94B}">
-              <ma14:wrappingTextBoxFlag xmlns="" xmlns:ma14="http://schemas.microsoft.com/office/mac/drawingml/2011/main" val="1"/>
+              <ma14:wrappingTextBoxFlag xmlns:ma14="http://schemas.microsoft.com/office/mac/drawingml/2011/main" xmlns="" val="1"/>
             </a:ext>
           </a:extLst>
         </p:spPr>
@@ -8007,6 +8080,13 @@
     <a:masterClrMapping/>
   </p:clrMapOvr>
   <p:transition spd="med"/>
+  <p:timing>
+    <p:tnLst>
+      <p:par>
+        <p:cTn id="1" dur="indefinite" restart="never" nodeType="tmRoot"/>
+      </p:par>
+    </p:tnLst>
+  </p:timing>
 </p:sld>
 </file>
 
@@ -8046,7 +8126,7 @@
           </a:ln>
           <a:extLst>
             <a:ext uri="{C572A759-6A51-4108-AA02-DFA0A04FC94B}">
-              <ma14:wrappingTextBoxFlag xmlns="" xmlns:ma14="http://schemas.microsoft.com/office/mac/drawingml/2011/main" val="1"/>
+              <ma14:wrappingTextBoxFlag xmlns:ma14="http://schemas.microsoft.com/office/mac/drawingml/2011/main" xmlns="" val="1"/>
             </a:ext>
           </a:extLst>
         </p:spPr>
@@ -8182,21 +8262,8 @@
                   <a:solidFill/>
                 </a:uFill>
               </a:rPr>
-              <a:t>item in that list. Assume the list has at least </a:t>
-            </a:r>
-            <a:r>
-              <a:rPr lang="en-US" sz="2500" smtClean="0">
-                <a:uFill>
-                  <a:solidFill/>
-                </a:uFill>
-              </a:rPr>
-              <a:t>two values.</a:t>
-            </a:r>
-            <a:endParaRPr lang="en-US" sz="2500" dirty="0" smtClean="0">
-              <a:uFill>
-                <a:solidFill/>
-              </a:uFill>
-            </a:endParaRPr>
+              <a:t>item in that list. Assume the list has at least two values.</a:t>
+            </a:r>
           </a:p>
           <a:p>
             <a:pPr lvl="1" indent="0" defTabSz="647700">
@@ -8519,7 +8586,35 @@
                 </a:uFill>
                 <a:cs typeface="Courier New" panose="02070309020205020404" pitchFamily="49" charset="0"/>
               </a:rPr>
-              <a:t> loop.</a:t>
+              <a:t> </a:t>
+            </a:r>
+            <a:r>
+              <a:rPr lang="en-US" sz="2500" dirty="0" smtClean="0">
+                <a:uFill>
+                  <a:solidFill/>
+                </a:uFill>
+                <a:cs typeface="Courier New" panose="02070309020205020404" pitchFamily="49" charset="0"/>
+              </a:rPr>
+              <a:t>loop and some </a:t>
+            </a:r>
+            <a:r>
+              <a:rPr lang="en-US" sz="2500" dirty="0" smtClean="0">
+                <a:uFill>
+                  <a:solidFill/>
+                </a:uFill>
+                <a:latin typeface="Courier New" panose="02070309020205020404" pitchFamily="49" charset="0"/>
+                <a:cs typeface="Courier New" panose="02070309020205020404" pitchFamily="49" charset="0"/>
+              </a:rPr>
+              <a:t>if</a:t>
+            </a:r>
+            <a:r>
+              <a:rPr lang="en-US" sz="2500" dirty="0" smtClean="0">
+                <a:uFill>
+                  <a:solidFill/>
+                </a:uFill>
+                <a:cs typeface="Courier New" panose="02070309020205020404" pitchFamily="49" charset="0"/>
+              </a:rPr>
+              <a:t> statements.</a:t>
             </a:r>
             <a:endParaRPr lang="en-US" sz="2500" dirty="0">
               <a:uFill>
@@ -8564,6 +8659,13 @@
     <a:masterClrMapping/>
   </p:clrMapOvr>
   <p:transition spd="med"/>
+  <p:timing>
+    <p:tnLst>
+      <p:par>
+        <p:cTn id="1" dur="indefinite" restart="never" nodeType="tmRoot"/>
+      </p:par>
+    </p:tnLst>
+  </p:timing>
 </p:sld>
 </file>
 
@@ -8603,7 +8705,7 @@
           </a:ln>
           <a:extLst>
             <a:ext uri="{C572A759-6A51-4108-AA02-DFA0A04FC94B}">
-              <ma14:wrappingTextBoxFlag xmlns="" xmlns:ma14="http://schemas.microsoft.com/office/mac/drawingml/2011/main" val="1"/>
+              <ma14:wrappingTextBoxFlag xmlns:ma14="http://schemas.microsoft.com/office/mac/drawingml/2011/main" xmlns="" val="1"/>
             </a:ext>
           </a:extLst>
         </p:spPr>
@@ -8762,7 +8864,7 @@
           </a:ln>
           <a:extLst>
             <a:ext uri="{C572A759-6A51-4108-AA02-DFA0A04FC94B}">
-              <ma14:wrappingTextBoxFlag xmlns="" xmlns:ma14="http://schemas.microsoft.com/office/mac/drawingml/2011/main" val="1"/>
+              <ma14:wrappingTextBoxFlag xmlns:ma14="http://schemas.microsoft.com/office/mac/drawingml/2011/main" xmlns="" val="1"/>
             </a:ext>
           </a:extLst>
         </p:spPr>
@@ -8832,6 +8934,13 @@
     <a:masterClrMapping/>
   </p:clrMapOvr>
   <p:transition spd="med"/>
+  <p:timing>
+    <p:tnLst>
+      <p:par>
+        <p:cTn id="1" dur="indefinite" restart="never" nodeType="tmRoot"/>
+      </p:par>
+    </p:tnLst>
+  </p:timing>
 </p:sld>
 </file>
 
@@ -8871,7 +8980,7 @@
           </a:ln>
           <a:extLst>
             <a:ext uri="{C572A759-6A51-4108-AA02-DFA0A04FC94B}">
-              <ma14:wrappingTextBoxFlag xmlns="" xmlns:ma14="http://schemas.microsoft.com/office/mac/drawingml/2011/main" val="1"/>
+              <ma14:wrappingTextBoxFlag xmlns:ma14="http://schemas.microsoft.com/office/mac/drawingml/2011/main" xmlns="" val="1"/>
             </a:ext>
           </a:extLst>
         </p:spPr>
@@ -9291,6 +9400,13 @@
     <a:masterClrMapping/>
   </p:clrMapOvr>
   <p:transition spd="med"/>
+  <p:timing>
+    <p:tnLst>
+      <p:par>
+        <p:cTn id="1" dur="indefinite" restart="never" nodeType="tmRoot"/>
+      </p:par>
+    </p:tnLst>
+  </p:timing>
 </p:sld>
 </file>
 
@@ -9330,7 +9446,7 @@
           </a:ln>
           <a:extLst>
             <a:ext uri="{C572A759-6A51-4108-AA02-DFA0A04FC94B}">
-              <ma14:wrappingTextBoxFlag xmlns="" xmlns:ma14="http://schemas.microsoft.com/office/mac/drawingml/2011/main" val="1"/>
+              <ma14:wrappingTextBoxFlag xmlns:ma14="http://schemas.microsoft.com/office/mac/drawingml/2011/main" xmlns="" val="1"/>
             </a:ext>
           </a:extLst>
         </p:spPr>
@@ -9685,17 +9801,7 @@
                 <a:latin typeface="Courier New" panose="02070309020205020404" pitchFamily="49" charset="0"/>
                 <a:cs typeface="Courier New" panose="02070309020205020404" pitchFamily="49" charset="0"/>
               </a:rPr>
-              <a:t>source d</a:t>
-            </a:r>
-            <a:r>
-              <a:rPr lang="en-US" sz="2000" dirty="0" smtClean="0">
-                <a:uFill>
-                  <a:solidFill/>
-                </a:uFill>
-                <a:latin typeface="Courier New" panose="02070309020205020404" pitchFamily="49" charset="0"/>
-                <a:cs typeface="Courier New" panose="02070309020205020404" pitchFamily="49" charset="0"/>
-              </a:rPr>
-              <a:t>eactivate</a:t>
+              <a:t>source deactivate</a:t>
             </a:r>
           </a:p>
           <a:p>
@@ -9860,6 +9966,13 @@
     <a:masterClrMapping/>
   </p:clrMapOvr>
   <p:transition spd="med"/>
+  <p:timing>
+    <p:tnLst>
+      <p:par>
+        <p:cTn id="1" dur="indefinite" restart="never" nodeType="tmRoot"/>
+      </p:par>
+    </p:tnLst>
+  </p:timing>
 </p:sld>
 </file>
 
@@ -9979,7 +10092,7 @@
           </a:ln>
           <a:extLst>
             <a:ext uri="{C572A759-6A51-4108-AA02-DFA0A04FC94B}">
-              <ma14:wrappingTextBoxFlag xmlns="" xmlns:ma14="http://schemas.microsoft.com/office/mac/drawingml/2011/main" val="1"/>
+              <ma14:wrappingTextBoxFlag xmlns:ma14="http://schemas.microsoft.com/office/mac/drawingml/2011/main" xmlns="" val="1"/>
             </a:ext>
           </a:extLst>
         </p:spPr>
@@ -10046,7 +10159,7 @@
           </a:ln>
           <a:extLst>
             <a:ext uri="{C572A759-6A51-4108-AA02-DFA0A04FC94B}">
-              <ma14:wrappingTextBoxFlag xmlns="" xmlns:ma14="http://schemas.microsoft.com/office/mac/drawingml/2011/main" val="1"/>
+              <ma14:wrappingTextBoxFlag xmlns:ma14="http://schemas.microsoft.com/office/mac/drawingml/2011/main" xmlns="" val="1"/>
             </a:ext>
           </a:extLst>
         </p:spPr>
@@ -10314,6 +10427,13 @@
     <a:masterClrMapping/>
   </p:clrMapOvr>
   <p:transition spd="med"/>
+  <p:timing>
+    <p:tnLst>
+      <p:par>
+        <p:cTn id="1" dur="indefinite" restart="never" nodeType="tmRoot"/>
+      </p:par>
+    </p:tnLst>
+  </p:timing>
 </p:sld>
 </file>
 
@@ -10353,7 +10473,7 @@
           </a:ln>
           <a:extLst>
             <a:ext uri="{C572A759-6A51-4108-AA02-DFA0A04FC94B}">
-              <ma14:wrappingTextBoxFlag xmlns="" xmlns:ma14="http://schemas.microsoft.com/office/mac/drawingml/2011/main" val="1"/>
+              <ma14:wrappingTextBoxFlag xmlns:ma14="http://schemas.microsoft.com/office/mac/drawingml/2011/main" xmlns="" val="1"/>
             </a:ext>
           </a:extLst>
         </p:spPr>
@@ -10512,7 +10632,7 @@
           </a:ln>
           <a:extLst>
             <a:ext uri="{C572A759-6A51-4108-AA02-DFA0A04FC94B}">
-              <ma14:wrappingTextBoxFlag xmlns="" xmlns:ma14="http://schemas.microsoft.com/office/mac/drawingml/2011/main" val="1"/>
+              <ma14:wrappingTextBoxFlag xmlns:ma14="http://schemas.microsoft.com/office/mac/drawingml/2011/main" xmlns="" val="1"/>
             </a:ext>
           </a:extLst>
         </p:spPr>
@@ -10582,6 +10702,13 @@
     <a:masterClrMapping/>
   </p:clrMapOvr>
   <p:transition spd="med"/>
+  <p:timing>
+    <p:tnLst>
+      <p:par>
+        <p:cTn id="1" dur="indefinite" restart="never" nodeType="tmRoot"/>
+      </p:par>
+    </p:tnLst>
+  </p:timing>
 </p:sld>
 </file>
 
@@ -10887,7 +11014,7 @@
           </a:ln>
           <a:extLst>
             <a:ext uri="{C572A759-6A51-4108-AA02-DFA0A04FC94B}">
-              <ma14:wrappingTextBoxFlag xmlns="" xmlns:ma14="http://schemas.microsoft.com/office/mac/drawingml/2011/main" val="1"/>
+              <ma14:wrappingTextBoxFlag xmlns:ma14="http://schemas.microsoft.com/office/mac/drawingml/2011/main" xmlns="" val="1"/>
             </a:ext>
           </a:extLst>
         </p:spPr>
@@ -10951,6 +11078,13 @@
     <a:masterClrMapping/>
   </p:clrMapOvr>
   <p:transition spd="med"/>
+  <p:timing>
+    <p:tnLst>
+      <p:par>
+        <p:cTn id="1" dur="indefinite" restart="never" nodeType="tmRoot"/>
+      </p:par>
+    </p:tnLst>
+  </p:timing>
 </p:sld>
 </file>
 
@@ -11073,11 +11207,6 @@
               </a:rPr>
               <a:t>Make sure to install Anaconda with Python 3.4!</a:t>
             </a:r>
-            <a:endParaRPr lang="en-US" sz="2500" dirty="0" smtClean="0">
-              <a:uFill>
-                <a:solidFill/>
-              </a:uFill>
-            </a:endParaRPr>
           </a:p>
           <a:p>
             <a:pPr lvl="1" indent="0" defTabSz="647700">
@@ -11359,7 +11488,7 @@
           </a:ln>
           <a:extLst>
             <a:ext uri="{C572A759-6A51-4108-AA02-DFA0A04FC94B}">
-              <ma14:wrappingTextBoxFlag xmlns="" xmlns:ma14="http://schemas.microsoft.com/office/mac/drawingml/2011/main" val="1"/>
+              <ma14:wrappingTextBoxFlag xmlns:ma14="http://schemas.microsoft.com/office/mac/drawingml/2011/main" xmlns="" val="1"/>
             </a:ext>
           </a:extLst>
         </p:spPr>
@@ -11402,15 +11531,7 @@
                   <a:solidFill/>
                 </a:uFill>
               </a:rPr>
-              <a:t>Because it takes a while: Installing </a:t>
-            </a:r>
-            <a:r>
-              <a:rPr lang="en-US" sz="2800" b="1" cap="all" spc="-56" dirty="0" smtClean="0">
-                <a:uFill>
-                  <a:solidFill/>
-                </a:uFill>
-              </a:rPr>
-              <a:t>python</a:t>
+              <a:t>Because it takes a while: Installing python</a:t>
             </a:r>
             <a:endParaRPr sz="2800" b="1" cap="all" spc="-56" dirty="0">
               <a:uFill>
@@ -11431,6 +11552,13 @@
     <a:masterClrMapping/>
   </p:clrMapOvr>
   <p:transition spd="med"/>
+  <p:timing>
+    <p:tnLst>
+      <p:par>
+        <p:cTn id="1" dur="indefinite" restart="never" nodeType="tmRoot"/>
+      </p:par>
+    </p:tnLst>
+  </p:timing>
 </p:sld>
 </file>
 
@@ -11470,7 +11598,7 @@
           </a:ln>
           <a:extLst>
             <a:ext uri="{C572A759-6A51-4108-AA02-DFA0A04FC94B}">
-              <ma14:wrappingTextBoxFlag xmlns="" xmlns:ma14="http://schemas.microsoft.com/office/mac/drawingml/2011/main" val="1"/>
+              <ma14:wrappingTextBoxFlag xmlns:ma14="http://schemas.microsoft.com/office/mac/drawingml/2011/main" xmlns="" val="1"/>
             </a:ext>
           </a:extLst>
         </p:spPr>
@@ -11629,7 +11757,7 @@
           </a:ln>
           <a:extLst>
             <a:ext uri="{C572A759-6A51-4108-AA02-DFA0A04FC94B}">
-              <ma14:wrappingTextBoxFlag xmlns="" xmlns:ma14="http://schemas.microsoft.com/office/mac/drawingml/2011/main" val="1"/>
+              <ma14:wrappingTextBoxFlag xmlns:ma14="http://schemas.microsoft.com/office/mac/drawingml/2011/main" xmlns="" val="1"/>
             </a:ext>
           </a:extLst>
         </p:spPr>
@@ -11699,6 +11827,13 @@
     <a:masterClrMapping/>
   </p:clrMapOvr>
   <p:transition spd="med"/>
+  <p:timing>
+    <p:tnLst>
+      <p:par>
+        <p:cTn id="1" dur="indefinite" restart="never" nodeType="tmRoot"/>
+      </p:par>
+    </p:tnLst>
+  </p:timing>
 </p:sld>
 </file>
 
@@ -11738,7 +11873,7 @@
           </a:ln>
           <a:extLst>
             <a:ext uri="{C572A759-6A51-4108-AA02-DFA0A04FC94B}">
-              <ma14:wrappingTextBoxFlag xmlns="" xmlns:ma14="http://schemas.microsoft.com/office/mac/drawingml/2011/main" val="1"/>
+              <ma14:wrappingTextBoxFlag xmlns:ma14="http://schemas.microsoft.com/office/mac/drawingml/2011/main" xmlns="" val="1"/>
             </a:ext>
           </a:extLst>
         </p:spPr>
@@ -11868,7 +12003,7 @@
           </a:ln>
           <a:extLst>
             <a:ext uri="{C572A759-6A51-4108-AA02-DFA0A04FC94B}">
-              <ma14:wrappingTextBoxFlag xmlns="" xmlns:ma14="http://schemas.microsoft.com/office/mac/drawingml/2011/main" val="1"/>
+              <ma14:wrappingTextBoxFlag xmlns:ma14="http://schemas.microsoft.com/office/mac/drawingml/2011/main" xmlns="" val="1"/>
             </a:ext>
           </a:extLst>
         </p:spPr>
@@ -11956,6 +12091,13 @@
     <a:masterClrMapping/>
   </p:clrMapOvr>
   <p:transition spd="med"/>
+  <p:timing>
+    <p:tnLst>
+      <p:par>
+        <p:cTn id="1" dur="indefinite" restart="never" nodeType="tmRoot"/>
+      </p:par>
+    </p:tnLst>
+  </p:timing>
 </p:sld>
 </file>
 
@@ -11995,7 +12137,7 @@
           </a:ln>
           <a:extLst>
             <a:ext uri="{C572A759-6A51-4108-AA02-DFA0A04FC94B}">
-              <ma14:wrappingTextBoxFlag xmlns="" xmlns:ma14="http://schemas.microsoft.com/office/mac/drawingml/2011/main" val="1"/>
+              <ma14:wrappingTextBoxFlag xmlns:ma14="http://schemas.microsoft.com/office/mac/drawingml/2011/main" xmlns="" val="1"/>
             </a:ext>
           </a:extLst>
         </p:spPr>
@@ -12125,7 +12267,7 @@
           </a:ln>
           <a:extLst>
             <a:ext uri="{C572A759-6A51-4108-AA02-DFA0A04FC94B}">
-              <ma14:wrappingTextBoxFlag xmlns="" xmlns:ma14="http://schemas.microsoft.com/office/mac/drawingml/2011/main" val="1"/>
+              <ma14:wrappingTextBoxFlag xmlns:ma14="http://schemas.microsoft.com/office/mac/drawingml/2011/main" xmlns="" val="1"/>
             </a:ext>
           </a:extLst>
         </p:spPr>
@@ -12197,7 +12339,7 @@
           </a:ln>
           <a:extLst>
             <a:ext uri="{C572A759-6A51-4108-AA02-DFA0A04FC94B}">
-              <ma14:wrappingTextBoxFlag xmlns="" xmlns:ma14="http://schemas.microsoft.com/office/mac/drawingml/2011/main" val="1"/>
+              <ma14:wrappingTextBoxFlag xmlns:ma14="http://schemas.microsoft.com/office/mac/drawingml/2011/main" xmlns="" val="1"/>
             </a:ext>
           </a:extLst>
         </p:spPr>
@@ -12229,15 +12371,7 @@
                   <a:solidFill/>
                 </a:uFill>
               </a:rPr>
-              <a:t>Simple </a:t>
-            </a:r>
-            <a:r>
-              <a:rPr lang="en-US" sz="2500" dirty="0" smtClean="0">
-                <a:uFill>
-                  <a:solidFill/>
-                </a:uFill>
-              </a:rPr>
-              <a:t>and clean syntax, easy to learn.</a:t>
+              <a:t>Simple and clean syntax, easy to learn.</a:t>
             </a:r>
           </a:p>
           <a:p>
@@ -12290,15 +12424,7 @@
                   <a:solidFill/>
                 </a:uFill>
               </a:rPr>
-              <a:t>Just more fun to code (most of the time</a:t>
-            </a:r>
-            <a:r>
-              <a:rPr lang="en-US" sz="2500" dirty="0" smtClean="0">
-                <a:uFill>
-                  <a:solidFill/>
-                </a:uFill>
-              </a:rPr>
-              <a:t>).</a:t>
+              <a:t>Just more fun to code (most of the time).</a:t>
             </a:r>
           </a:p>
           <a:p>
@@ -12380,7 +12506,7 @@
           </a:ln>
           <a:extLst>
             <a:ext uri="{C572A759-6A51-4108-AA02-DFA0A04FC94B}">
-              <ma14:wrappingTextBoxFlag xmlns="" xmlns:ma14="http://schemas.microsoft.com/office/mac/drawingml/2011/main" val="1"/>
+              <ma14:wrappingTextBoxFlag xmlns:ma14="http://schemas.microsoft.com/office/mac/drawingml/2011/main" xmlns="" val="1"/>
             </a:ext>
           </a:extLst>
         </p:spPr>
@@ -12442,6 +12568,13 @@
     <a:masterClrMapping/>
   </p:clrMapOvr>
   <p:transition spd="med"/>
+  <p:timing>
+    <p:tnLst>
+      <p:par>
+        <p:cTn id="1" dur="indefinite" restart="never" nodeType="tmRoot"/>
+      </p:par>
+    </p:tnLst>
+  </p:timing>
 </p:sld>
 </file>
 
